--- a/k224-docs/Presentazia_21_relis.pptx
+++ b/k224-docs/Presentazia_21_relis.pptx
@@ -383,11 +383,11 @@
         </c:dLbls>
         <c:marker val="1"/>
         <c:smooth val="0"/>
-        <c:axId val="259987784"/>
-        <c:axId val="259995232"/>
+        <c:axId val="252805800"/>
+        <c:axId val="252811288"/>
       </c:lineChart>
       <c:dateAx>
-        <c:axId val="259987784"/>
+        <c:axId val="252805800"/>
         <c:scaling>
           <c:orientation val="minMax"/>
         </c:scaling>
@@ -427,14 +427,14 @@
             <a:endParaRPr lang="ru-RU"/>
           </a:p>
         </c:txPr>
-        <c:crossAx val="259995232"/>
+        <c:crossAx val="252811288"/>
         <c:crosses val="autoZero"/>
         <c:auto val="1"/>
         <c:lblOffset val="100"/>
         <c:baseTimeUnit val="days"/>
       </c:dateAx>
       <c:valAx>
-        <c:axId val="259995232"/>
+        <c:axId val="252811288"/>
         <c:scaling>
           <c:orientation val="minMax"/>
         </c:scaling>
@@ -533,7 +533,7 @@
             <a:endParaRPr lang="ru-RU"/>
           </a:p>
         </c:txPr>
-        <c:crossAx val="259987784"/>
+        <c:crossAx val="252805800"/>
         <c:crosses val="autoZero"/>
         <c:crossBetween val="between"/>
       </c:valAx>
@@ -1499,11 +1499,11 @@
           <c:showBubbleSize val="0"/>
         </c:dLbls>
         <c:smooth val="0"/>
-        <c:axId val="604586728"/>
-        <c:axId val="604590648"/>
+        <c:axId val="366581328"/>
+        <c:axId val="366582504"/>
       </c:lineChart>
       <c:dateAx>
-        <c:axId val="604586728"/>
+        <c:axId val="366581328"/>
         <c:scaling>
           <c:orientation val="minMax"/>
         </c:scaling>
@@ -1546,14 +1546,14 @@
             <a:endParaRPr lang="ru-RU"/>
           </a:p>
         </c:txPr>
-        <c:crossAx val="604590648"/>
+        <c:crossAx val="366582504"/>
         <c:crosses val="autoZero"/>
         <c:auto val="1"/>
         <c:lblOffset val="100"/>
         <c:baseTimeUnit val="days"/>
       </c:dateAx>
       <c:valAx>
-        <c:axId val="604590648"/>
+        <c:axId val="366582504"/>
         <c:scaling>
           <c:orientation val="minMax"/>
         </c:scaling>
@@ -1604,7 +1604,7 @@
             <a:endParaRPr lang="ru-RU"/>
           </a:p>
         </c:txPr>
-        <c:crossAx val="604586728"/>
+        <c:crossAx val="366581328"/>
         <c:crosses val="autoZero"/>
         <c:crossBetween val="between"/>
       </c:valAx>
@@ -2340,7 +2340,7 @@
                 <c:formatCode>0%</c:formatCode>
                 <c:ptCount val="1"/>
                 <c:pt idx="0">
-                  <c:v>0.8</c:v>
+                  <c:v>0.85</c:v>
                 </c:pt>
               </c:numCache>
             </c:numRef>
@@ -2768,7 +2768,7 @@
                 <c:formatCode>0%</c:formatCode>
                 <c:ptCount val="1"/>
                 <c:pt idx="0">
-                  <c:v>0.7</c:v>
+                  <c:v>0.8</c:v>
                 </c:pt>
               </c:numCache>
             </c:numRef>
@@ -2875,7 +2875,7 @@
                 <c:formatCode>0%</c:formatCode>
                 <c:ptCount val="1"/>
                 <c:pt idx="0">
-                  <c:v>0.8</c:v>
+                  <c:v>0.85</c:v>
                 </c:pt>
               </c:numCache>
             </c:numRef>
@@ -2892,11 +2892,11 @@
         </c:dLbls>
         <c:gapWidth val="219"/>
         <c:overlap val="-27"/>
-        <c:axId val="361705640"/>
-        <c:axId val="361701328"/>
+        <c:axId val="366583288"/>
+        <c:axId val="366585640"/>
       </c:barChart>
       <c:catAx>
-        <c:axId val="361705640"/>
+        <c:axId val="366583288"/>
         <c:scaling>
           <c:orientation val="minMax"/>
         </c:scaling>
@@ -2939,7 +2939,7 @@
             <a:endParaRPr lang="ru-RU"/>
           </a:p>
         </c:txPr>
-        <c:crossAx val="361701328"/>
+        <c:crossAx val="366585640"/>
         <c:crosses val="autoZero"/>
         <c:auto val="1"/>
         <c:lblAlgn val="ctr"/>
@@ -2947,7 +2947,7 @@
         <c:noMultiLvlLbl val="0"/>
       </c:catAx>
       <c:valAx>
-        <c:axId val="361701328"/>
+        <c:axId val="366585640"/>
         <c:scaling>
           <c:orientation val="minMax"/>
         </c:scaling>
@@ -2998,7 +2998,7 @@
             <a:endParaRPr lang="ru-RU"/>
           </a:p>
         </c:txPr>
-        <c:crossAx val="361705640"/>
+        <c:crossAx val="366583288"/>
         <c:crosses val="autoZero"/>
         <c:crossBetween val="between"/>
       </c:valAx>
@@ -10028,45 +10028,45 @@
     </dgm:pt>
   </dgm:ptLst>
   <dgm:cxnLst>
-    <dgm:cxn modelId="{6380C4C7-4EBB-43A2-9301-54A5C9841434}" type="presOf" srcId="{FAAD98B4-2CE9-4214-8BB6-F03CEEE572FF}" destId="{4D58B8E3-ABF3-466F-BE72-A1334046C3F4}" srcOrd="0" destOrd="2" presId="urn:microsoft.com/office/officeart/2005/8/layout/cycle4"/>
+    <dgm:cxn modelId="{32D9F149-C2A1-4DD8-A69C-877BCA8D5EDD}" type="presOf" srcId="{FAAD98B4-2CE9-4214-8BB6-F03CEEE572FF}" destId="{38CD6BD6-D3E2-4B97-8665-48065905F491}" srcOrd="1" destOrd="2" presId="urn:microsoft.com/office/officeart/2005/8/layout/cycle4"/>
+    <dgm:cxn modelId="{32486DDC-2E79-4178-8461-4BC45C795BB2}" srcId="{01A583E1-6537-45F8-AE09-C85491C9FC1D}" destId="{F9BE74C9-EC7E-4268-8C5A-882B3EFFF8FD}" srcOrd="3" destOrd="0" parTransId="{EA0E44FE-C617-463A-B76E-A9DC58753A03}" sibTransId="{0967E1B8-BCB6-4EBC-AE86-D9382359FC3F}"/>
+    <dgm:cxn modelId="{CB0B1B1A-10F9-41F1-A66F-C247C25FE7E2}" type="presOf" srcId="{618CC25E-9050-4FB6-9F11-CAFC660578FC}" destId="{382DE9F5-C159-437A-AA3E-CE93A76C5FDC}" srcOrd="0" destOrd="0" presId="urn:microsoft.com/office/officeart/2005/8/layout/cycle4"/>
+    <dgm:cxn modelId="{6F2C1348-DD44-4E86-9478-89C1CF069569}" srcId="{01A583E1-6537-45F8-AE09-C85491C9FC1D}" destId="{2BBE2155-4658-4D02-8319-6DF4106EA8CC}" srcOrd="1" destOrd="0" parTransId="{3724DD7C-05CC-4DEB-8DAD-8B592C981C96}" sibTransId="{632890C8-ECA2-44D8-9A94-863A64665BBC}"/>
+    <dgm:cxn modelId="{00B4959F-898B-4380-9C95-B6E29A75A95C}" type="presOf" srcId="{618CC25E-9050-4FB6-9F11-CAFC660578FC}" destId="{7BE406E3-09FD-43B4-AAF9-51FAB58146A3}" srcOrd="1" destOrd="0" presId="urn:microsoft.com/office/officeart/2005/8/layout/cycle4"/>
+    <dgm:cxn modelId="{02D76481-2E62-4BA9-9F42-AE33CB3B6F3E}" type="presOf" srcId="{E5ACC793-F455-4177-B2A7-6FC33C9C1025}" destId="{C05EAFFC-2644-44E2-967D-B53235C71A38}" srcOrd="1" destOrd="3" presId="urn:microsoft.com/office/officeart/2005/8/layout/cycle4"/>
     <dgm:cxn modelId="{5900A8BD-7DF5-411F-BDC8-2899BCECAF71}" type="presOf" srcId="{2BFBAB07-2C4C-4FAB-9052-FFD3F4A28A9E}" destId="{C05EAFFC-2644-44E2-967D-B53235C71A38}" srcOrd="1" destOrd="1" presId="urn:microsoft.com/office/officeart/2005/8/layout/cycle4"/>
-    <dgm:cxn modelId="{9BF38558-2481-46D5-AB3E-FC48BBE62666}" srcId="{F9BE74C9-EC7E-4268-8C5A-882B3EFFF8FD}" destId="{E5ACC793-F455-4177-B2A7-6FC33C9C1025}" srcOrd="3" destOrd="0" parTransId="{F3D91DD1-F12E-4C5D-82CF-86CF95B338AA}" sibTransId="{0E3913D7-3C7B-49AF-9134-A90315714B9E}"/>
-    <dgm:cxn modelId="{7F659E51-2E2F-40FF-9479-2FD7E732DF62}" type="presOf" srcId="{2D6962E4-72B9-4B1E-B258-246893A88E0D}" destId="{60DA8870-9857-4057-BC91-DD9B798F041F}" srcOrd="0" destOrd="0" presId="urn:microsoft.com/office/officeart/2005/8/layout/cycle4"/>
-    <dgm:cxn modelId="{9991E351-28AB-47A6-8963-A9D299DB8675}" type="presOf" srcId="{989E09AB-A343-466C-BC14-C765FC9A1DD7}" destId="{4D58B8E3-ABF3-466F-BE72-A1334046C3F4}" srcOrd="0" destOrd="1" presId="urn:microsoft.com/office/officeart/2005/8/layout/cycle4"/>
-    <dgm:cxn modelId="{CB0B1B1A-10F9-41F1-A66F-C247C25FE7E2}" type="presOf" srcId="{618CC25E-9050-4FB6-9F11-CAFC660578FC}" destId="{382DE9F5-C159-437A-AA3E-CE93A76C5FDC}" srcOrd="0" destOrd="0" presId="urn:microsoft.com/office/officeart/2005/8/layout/cycle4"/>
-    <dgm:cxn modelId="{32486DDC-2E79-4178-8461-4BC45C795BB2}" srcId="{01A583E1-6537-45F8-AE09-C85491C9FC1D}" destId="{F9BE74C9-EC7E-4268-8C5A-882B3EFFF8FD}" srcOrd="3" destOrd="0" parTransId="{EA0E44FE-C617-463A-B76E-A9DC58753A03}" sibTransId="{0967E1B8-BCB6-4EBC-AE86-D9382359FC3F}"/>
-    <dgm:cxn modelId="{EDDAA38D-6E30-4543-B0F1-EAA9A6A477C7}" srcId="{01A583E1-6537-45F8-AE09-C85491C9FC1D}" destId="{2D6962E4-72B9-4B1E-B258-246893A88E0D}" srcOrd="0" destOrd="0" parTransId="{5502C073-0884-4CFE-A849-62990833CEE5}" sibTransId="{0E9043AA-3D92-4FE3-8FA8-E174F20EB8FF}"/>
+    <dgm:cxn modelId="{EDA00CFB-CF50-47D2-9DB9-9D5DE58CAD7E}" srcId="{2D6962E4-72B9-4B1E-B258-246893A88E0D}" destId="{989E09AB-A343-466C-BC14-C765FC9A1DD7}" srcOrd="1" destOrd="0" parTransId="{288B4C8E-3DA7-4373-926B-0E2EBA929F32}" sibTransId="{FB5D77EC-83C1-4323-ACE4-4842959B2E06}"/>
+    <dgm:cxn modelId="{F41F6067-9583-4D97-9E45-7AAACB397DC1}" srcId="{01A583E1-6537-45F8-AE09-C85491C9FC1D}" destId="{5BCD62D5-23CD-4A5A-A476-269CE76914DC}" srcOrd="2" destOrd="0" parTransId="{C274F423-C9C0-423A-80FB-84C18F1C3BA8}" sibTransId="{6CCF063A-E379-49B3-9CC0-57BB9F2B8432}"/>
+    <dgm:cxn modelId="{67308CEA-9FD1-426E-BDAA-B330570BC27C}" type="presOf" srcId="{23580231-228D-4259-948C-ECAED9FB6BBD}" destId="{22A0A0BC-6367-462E-93A8-CA8C46FCDCA0}" srcOrd="0" destOrd="0" presId="urn:microsoft.com/office/officeart/2005/8/layout/cycle4"/>
     <dgm:cxn modelId="{DE7E25E1-0419-411E-8CE9-67B65CD394AF}" type="presOf" srcId="{7095E70B-7EFB-4733-BA44-C4BB0599979F}" destId="{38CD6BD6-D3E2-4B97-8665-48065905F491}" srcOrd="1" destOrd="3" presId="urn:microsoft.com/office/officeart/2005/8/layout/cycle4"/>
-    <dgm:cxn modelId="{0867E0A3-B749-4FC7-AFD8-611582642A56}" srcId="{5BCD62D5-23CD-4A5A-A476-269CE76914DC}" destId="{618CC25E-9050-4FB6-9F11-CAFC660578FC}" srcOrd="0" destOrd="0" parTransId="{892FDF72-278A-4E94-A52C-C9A43137F613}" sibTransId="{E48127D6-89B0-4F87-A1F9-517011A96A5B}"/>
-    <dgm:cxn modelId="{EDA00CFB-CF50-47D2-9DB9-9D5DE58CAD7E}" srcId="{2D6962E4-72B9-4B1E-B258-246893A88E0D}" destId="{989E09AB-A343-466C-BC14-C765FC9A1DD7}" srcOrd="1" destOrd="0" parTransId="{288B4C8E-3DA7-4373-926B-0E2EBA929F32}" sibTransId="{FB5D77EC-83C1-4323-ACE4-4842959B2E06}"/>
-    <dgm:cxn modelId="{5474BC8E-7785-4D13-A4F3-61EF990ED269}" type="presOf" srcId="{F8507812-6291-4C9B-AA0B-B8AF3A68427D}" destId="{22A0A0BC-6367-462E-93A8-CA8C46FCDCA0}" srcOrd="0" destOrd="2" presId="urn:microsoft.com/office/officeart/2005/8/layout/cycle4"/>
-    <dgm:cxn modelId="{41218EDB-BD90-4410-89D0-F42795B77442}" type="presOf" srcId="{F9BE74C9-EC7E-4268-8C5A-882B3EFFF8FD}" destId="{809A40DB-630A-4CA0-804D-1A67767C019F}" srcOrd="0" destOrd="0" presId="urn:microsoft.com/office/officeart/2005/8/layout/cycle4"/>
+    <dgm:cxn modelId="{C729B709-07FE-42F4-AAEB-B07A501F7CBF}" type="presOf" srcId="{2BBE2155-4658-4D02-8319-6DF4106EA8CC}" destId="{147178AE-0CD4-4FA3-A352-95F7DEF02040}" srcOrd="0" destOrd="0" presId="urn:microsoft.com/office/officeart/2005/8/layout/cycle4"/>
+    <dgm:cxn modelId="{25B6265F-DE51-4D72-88A4-F99F10356E86}" srcId="{F9BE74C9-EC7E-4268-8C5A-882B3EFFF8FD}" destId="{2BFBAB07-2C4C-4FAB-9052-FFD3F4A28A9E}" srcOrd="1" destOrd="0" parTransId="{40C55B56-8FA6-4369-9144-9E433D309CBB}" sibTransId="{7A024E95-77FA-4074-8271-31A91DA4713B}"/>
     <dgm:cxn modelId="{7647034C-6B12-4E3A-BEA0-6005F318DA9E}" type="presOf" srcId="{490168AD-E14E-4940-8CC2-7C35F66AB41B}" destId="{BD656469-D70B-4710-B138-3ED38F1BD8E1}" srcOrd="1" destOrd="0" presId="urn:microsoft.com/office/officeart/2005/8/layout/cycle4"/>
-    <dgm:cxn modelId="{C729B709-07FE-42F4-AAEB-B07A501F7CBF}" type="presOf" srcId="{2BBE2155-4658-4D02-8319-6DF4106EA8CC}" destId="{147178AE-0CD4-4FA3-A352-95F7DEF02040}" srcOrd="0" destOrd="0" presId="urn:microsoft.com/office/officeart/2005/8/layout/cycle4"/>
-    <dgm:cxn modelId="{E4D73487-C5B1-4EB2-AF38-71DF0EBFDB67}" type="presOf" srcId="{7095E70B-7EFB-4733-BA44-C4BB0599979F}" destId="{4D58B8E3-ABF3-466F-BE72-A1334046C3F4}" srcOrd="0" destOrd="3" presId="urn:microsoft.com/office/officeart/2005/8/layout/cycle4"/>
-    <dgm:cxn modelId="{4665B531-CE39-4D8D-9C92-1B0A97DBEF06}" srcId="{2BBE2155-4658-4D02-8319-6DF4106EA8CC}" destId="{490168AD-E14E-4940-8CC2-7C35F66AB41B}" srcOrd="0" destOrd="0" parTransId="{F8E86141-CA5C-4FD7-B090-BDC097EE9ED9}" sibTransId="{409F351B-3747-4E3C-89C6-F2C76F7C931A}"/>
-    <dgm:cxn modelId="{1695E917-4CB0-460A-9E6B-4DF46E74DE66}" type="presOf" srcId="{490168AD-E14E-4940-8CC2-7C35F66AB41B}" destId="{53094224-E102-4C09-9604-A3E90CFD0EB5}" srcOrd="0" destOrd="0" presId="urn:microsoft.com/office/officeart/2005/8/layout/cycle4"/>
-    <dgm:cxn modelId="{DCB35549-6653-457E-A1A3-3F1DB9F48EB2}" srcId="{F9BE74C9-EC7E-4268-8C5A-882B3EFFF8FD}" destId="{F8507812-6291-4C9B-AA0B-B8AF3A68427D}" srcOrd="2" destOrd="0" parTransId="{4F2F02B6-C766-433A-873A-91091688269D}" sibTransId="{380A3AC5-BB38-4979-8AA3-011E077F4CA2}"/>
-    <dgm:cxn modelId="{784002D3-341F-4DF0-9345-0B1634589798}" type="presOf" srcId="{2B41BF75-F5C8-4255-892F-6328E5A9E688}" destId="{38CD6BD6-D3E2-4B97-8665-48065905F491}" srcOrd="1" destOrd="0" presId="urn:microsoft.com/office/officeart/2005/8/layout/cycle4"/>
-    <dgm:cxn modelId="{00B4959F-898B-4380-9C95-B6E29A75A95C}" type="presOf" srcId="{618CC25E-9050-4FB6-9F11-CAFC660578FC}" destId="{7BE406E3-09FD-43B4-AAF9-51FAB58146A3}" srcOrd="1" destOrd="0" presId="urn:microsoft.com/office/officeart/2005/8/layout/cycle4"/>
-    <dgm:cxn modelId="{5BB7FEFC-FF0F-40F9-85B4-B338B4BD98A3}" srcId="{F9BE74C9-EC7E-4268-8C5A-882B3EFFF8FD}" destId="{23580231-228D-4259-948C-ECAED9FB6BBD}" srcOrd="0" destOrd="0" parTransId="{CB1BEA55-1E25-49B4-8245-B386B1EBDAB7}" sibTransId="{EF2DA803-88D8-4CC3-A191-D63C166FB7FF}"/>
-    <dgm:cxn modelId="{9BAD8EFF-9B32-4433-B605-9BFDB094AF74}" type="presOf" srcId="{989E09AB-A343-466C-BC14-C765FC9A1DD7}" destId="{38CD6BD6-D3E2-4B97-8665-48065905F491}" srcOrd="1" destOrd="1" presId="urn:microsoft.com/office/officeart/2005/8/layout/cycle4"/>
-    <dgm:cxn modelId="{25B6265F-DE51-4D72-88A4-F99F10356E86}" srcId="{F9BE74C9-EC7E-4268-8C5A-882B3EFFF8FD}" destId="{2BFBAB07-2C4C-4FAB-9052-FFD3F4A28A9E}" srcOrd="1" destOrd="0" parTransId="{40C55B56-8FA6-4369-9144-9E433D309CBB}" sibTransId="{7A024E95-77FA-4074-8271-31A91DA4713B}"/>
-    <dgm:cxn modelId="{1C4B7B5B-5A26-4FB7-B7A4-76D489C60865}" srcId="{2D6962E4-72B9-4B1E-B258-246893A88E0D}" destId="{FAAD98B4-2CE9-4214-8BB6-F03CEEE572FF}" srcOrd="2" destOrd="0" parTransId="{54D2E552-AFA4-449B-855C-8D07B27E44E2}" sibTransId="{CBB1F48E-041C-465A-B96F-A59A0B7362A5}"/>
     <dgm:cxn modelId="{4EB1F7F9-51B7-4A9C-B2E8-B495495CB616}" type="presOf" srcId="{2BFBAB07-2C4C-4FAB-9052-FFD3F4A28A9E}" destId="{22A0A0BC-6367-462E-93A8-CA8C46FCDCA0}" srcOrd="0" destOrd="1" presId="urn:microsoft.com/office/officeart/2005/8/layout/cycle4"/>
     <dgm:cxn modelId="{5B1285C2-C638-4E1D-9B5F-9E11AB797450}" type="presOf" srcId="{E5ACC793-F455-4177-B2A7-6FC33C9C1025}" destId="{22A0A0BC-6367-462E-93A8-CA8C46FCDCA0}" srcOrd="0" destOrd="3" presId="urn:microsoft.com/office/officeart/2005/8/layout/cycle4"/>
-    <dgm:cxn modelId="{32D9F149-C2A1-4DD8-A69C-877BCA8D5EDD}" type="presOf" srcId="{FAAD98B4-2CE9-4214-8BB6-F03CEEE572FF}" destId="{38CD6BD6-D3E2-4B97-8665-48065905F491}" srcOrd="1" destOrd="2" presId="urn:microsoft.com/office/officeart/2005/8/layout/cycle4"/>
+    <dgm:cxn modelId="{5474BC8E-7785-4D13-A4F3-61EF990ED269}" type="presOf" srcId="{F8507812-6291-4C9B-AA0B-B8AF3A68427D}" destId="{22A0A0BC-6367-462E-93A8-CA8C46FCDCA0}" srcOrd="0" destOrd="2" presId="urn:microsoft.com/office/officeart/2005/8/layout/cycle4"/>
+    <dgm:cxn modelId="{C1CC8C5E-8C3B-4002-B283-DDF651B9C2DF}" srcId="{2D6962E4-72B9-4B1E-B258-246893A88E0D}" destId="{7095E70B-7EFB-4733-BA44-C4BB0599979F}" srcOrd="3" destOrd="0" parTransId="{64A1E298-33AE-4CD3-B3E0-AF77857653AE}" sibTransId="{BBF2356D-3C61-41D3-A629-D15BD788173A}"/>
     <dgm:cxn modelId="{3C16332A-B919-432D-BF91-AC79BAB354ED}" type="presOf" srcId="{01A583E1-6537-45F8-AE09-C85491C9FC1D}" destId="{9D4C7C9D-7ED1-464F-941B-21AB88CE8789}" srcOrd="0" destOrd="0" presId="urn:microsoft.com/office/officeart/2005/8/layout/cycle4"/>
-    <dgm:cxn modelId="{67308CEA-9FD1-426E-BDAA-B330570BC27C}" type="presOf" srcId="{23580231-228D-4259-948C-ECAED9FB6BBD}" destId="{22A0A0BC-6367-462E-93A8-CA8C46FCDCA0}" srcOrd="0" destOrd="0" presId="urn:microsoft.com/office/officeart/2005/8/layout/cycle4"/>
+    <dgm:cxn modelId="{5BB7FEFC-FF0F-40F9-85B4-B338B4BD98A3}" srcId="{F9BE74C9-EC7E-4268-8C5A-882B3EFFF8FD}" destId="{23580231-228D-4259-948C-ECAED9FB6BBD}" srcOrd="0" destOrd="0" parTransId="{CB1BEA55-1E25-49B4-8245-B386B1EBDAB7}" sibTransId="{EF2DA803-88D8-4CC3-A191-D63C166FB7FF}"/>
+    <dgm:cxn modelId="{959C0A07-B487-44FF-9CEB-B0B891D005B6}" type="presOf" srcId="{5BCD62D5-23CD-4A5A-A476-269CE76914DC}" destId="{43A2BA3D-20D2-4E5D-9CD2-B6EE3F312A3B}" srcOrd="0" destOrd="0" presId="urn:microsoft.com/office/officeart/2005/8/layout/cycle4"/>
+    <dgm:cxn modelId="{9BAD8EFF-9B32-4433-B605-9BFDB094AF74}" type="presOf" srcId="{989E09AB-A343-466C-BC14-C765FC9A1DD7}" destId="{38CD6BD6-D3E2-4B97-8665-48065905F491}" srcOrd="1" destOrd="1" presId="urn:microsoft.com/office/officeart/2005/8/layout/cycle4"/>
+    <dgm:cxn modelId="{EDDAA38D-6E30-4543-B0F1-EAA9A6A477C7}" srcId="{01A583E1-6537-45F8-AE09-C85491C9FC1D}" destId="{2D6962E4-72B9-4B1E-B258-246893A88E0D}" srcOrd="0" destOrd="0" parTransId="{5502C073-0884-4CFE-A849-62990833CEE5}" sibTransId="{0E9043AA-3D92-4FE3-8FA8-E174F20EB8FF}"/>
+    <dgm:cxn modelId="{4E151F0E-C99E-4BF4-81BC-837B231CBF92}" type="presOf" srcId="{2B41BF75-F5C8-4255-892F-6328E5A9E688}" destId="{4D58B8E3-ABF3-466F-BE72-A1334046C3F4}" srcOrd="0" destOrd="0" presId="urn:microsoft.com/office/officeart/2005/8/layout/cycle4"/>
+    <dgm:cxn modelId="{41218EDB-BD90-4410-89D0-F42795B77442}" type="presOf" srcId="{F9BE74C9-EC7E-4268-8C5A-882B3EFFF8FD}" destId="{809A40DB-630A-4CA0-804D-1A67767C019F}" srcOrd="0" destOrd="0" presId="urn:microsoft.com/office/officeart/2005/8/layout/cycle4"/>
+    <dgm:cxn modelId="{9BF38558-2481-46D5-AB3E-FC48BBE62666}" srcId="{F9BE74C9-EC7E-4268-8C5A-882B3EFFF8FD}" destId="{E5ACC793-F455-4177-B2A7-6FC33C9C1025}" srcOrd="3" destOrd="0" parTransId="{F3D91DD1-F12E-4C5D-82CF-86CF95B338AA}" sibTransId="{0E3913D7-3C7B-49AF-9134-A90315714B9E}"/>
+    <dgm:cxn modelId="{1695E917-4CB0-460A-9E6B-4DF46E74DE66}" type="presOf" srcId="{490168AD-E14E-4940-8CC2-7C35F66AB41B}" destId="{53094224-E102-4C09-9604-A3E90CFD0EB5}" srcOrd="0" destOrd="0" presId="urn:microsoft.com/office/officeart/2005/8/layout/cycle4"/>
+    <dgm:cxn modelId="{E4D73487-C5B1-4EB2-AF38-71DF0EBFDB67}" type="presOf" srcId="{7095E70B-7EFB-4733-BA44-C4BB0599979F}" destId="{4D58B8E3-ABF3-466F-BE72-A1334046C3F4}" srcOrd="0" destOrd="3" presId="urn:microsoft.com/office/officeart/2005/8/layout/cycle4"/>
+    <dgm:cxn modelId="{9991E351-28AB-47A6-8963-A9D299DB8675}" type="presOf" srcId="{989E09AB-A343-466C-BC14-C765FC9A1DD7}" destId="{4D58B8E3-ABF3-466F-BE72-A1334046C3F4}" srcOrd="0" destOrd="1" presId="urn:microsoft.com/office/officeart/2005/8/layout/cycle4"/>
+    <dgm:cxn modelId="{B55F96D7-8D63-46D6-833C-7BB32A8BF044}" type="presOf" srcId="{F8507812-6291-4C9B-AA0B-B8AF3A68427D}" destId="{C05EAFFC-2644-44E2-967D-B53235C71A38}" srcOrd="1" destOrd="2" presId="urn:microsoft.com/office/officeart/2005/8/layout/cycle4"/>
+    <dgm:cxn modelId="{4665B531-CE39-4D8D-9C92-1B0A97DBEF06}" srcId="{2BBE2155-4658-4D02-8319-6DF4106EA8CC}" destId="{490168AD-E14E-4940-8CC2-7C35F66AB41B}" srcOrd="0" destOrd="0" parTransId="{F8E86141-CA5C-4FD7-B090-BDC097EE9ED9}" sibTransId="{409F351B-3747-4E3C-89C6-F2C76F7C931A}"/>
+    <dgm:cxn modelId="{2D68FBB9-2A3F-4DFB-9547-97148AD147B2}" srcId="{2D6962E4-72B9-4B1E-B258-246893A88E0D}" destId="{2B41BF75-F5C8-4255-892F-6328E5A9E688}" srcOrd="0" destOrd="0" parTransId="{36024776-6205-43C6-9331-B14C4C951E90}" sibTransId="{30E8B699-48A6-4778-A200-BCC2B91FEAE2}"/>
+    <dgm:cxn modelId="{6380C4C7-4EBB-43A2-9301-54A5C9841434}" type="presOf" srcId="{FAAD98B4-2CE9-4214-8BB6-F03CEEE572FF}" destId="{4D58B8E3-ABF3-466F-BE72-A1334046C3F4}" srcOrd="0" destOrd="2" presId="urn:microsoft.com/office/officeart/2005/8/layout/cycle4"/>
+    <dgm:cxn modelId="{DCB35549-6653-457E-A1A3-3F1DB9F48EB2}" srcId="{F9BE74C9-EC7E-4268-8C5A-882B3EFFF8FD}" destId="{F8507812-6291-4C9B-AA0B-B8AF3A68427D}" srcOrd="2" destOrd="0" parTransId="{4F2F02B6-C766-433A-873A-91091688269D}" sibTransId="{380A3AC5-BB38-4979-8AA3-011E077F4CA2}"/>
+    <dgm:cxn modelId="{1C4B7B5B-5A26-4FB7-B7A4-76D489C60865}" srcId="{2D6962E4-72B9-4B1E-B258-246893A88E0D}" destId="{FAAD98B4-2CE9-4214-8BB6-F03CEEE572FF}" srcOrd="2" destOrd="0" parTransId="{54D2E552-AFA4-449B-855C-8D07B27E44E2}" sibTransId="{CBB1F48E-041C-465A-B96F-A59A0B7362A5}"/>
+    <dgm:cxn modelId="{7F659E51-2E2F-40FF-9479-2FD7E732DF62}" type="presOf" srcId="{2D6962E4-72B9-4B1E-B258-246893A88E0D}" destId="{60DA8870-9857-4057-BC91-DD9B798F041F}" srcOrd="0" destOrd="0" presId="urn:microsoft.com/office/officeart/2005/8/layout/cycle4"/>
+    <dgm:cxn modelId="{0867E0A3-B749-4FC7-AFD8-611582642A56}" srcId="{5BCD62D5-23CD-4A5A-A476-269CE76914DC}" destId="{618CC25E-9050-4FB6-9F11-CAFC660578FC}" srcOrd="0" destOrd="0" parTransId="{892FDF72-278A-4E94-A52C-C9A43137F613}" sibTransId="{E48127D6-89B0-4F87-A1F9-517011A96A5B}"/>
     <dgm:cxn modelId="{06428E54-26A5-4289-B287-166FC667611C}" type="presOf" srcId="{23580231-228D-4259-948C-ECAED9FB6BBD}" destId="{C05EAFFC-2644-44E2-967D-B53235C71A38}" srcOrd="1" destOrd="0" presId="urn:microsoft.com/office/officeart/2005/8/layout/cycle4"/>
-    <dgm:cxn modelId="{4E151F0E-C99E-4BF4-81BC-837B231CBF92}" type="presOf" srcId="{2B41BF75-F5C8-4255-892F-6328E5A9E688}" destId="{4D58B8E3-ABF3-466F-BE72-A1334046C3F4}" srcOrd="0" destOrd="0" presId="urn:microsoft.com/office/officeart/2005/8/layout/cycle4"/>
-    <dgm:cxn modelId="{02D76481-2E62-4BA9-9F42-AE33CB3B6F3E}" type="presOf" srcId="{E5ACC793-F455-4177-B2A7-6FC33C9C1025}" destId="{C05EAFFC-2644-44E2-967D-B53235C71A38}" srcOrd="1" destOrd="3" presId="urn:microsoft.com/office/officeart/2005/8/layout/cycle4"/>
-    <dgm:cxn modelId="{F41F6067-9583-4D97-9E45-7AAACB397DC1}" srcId="{01A583E1-6537-45F8-AE09-C85491C9FC1D}" destId="{5BCD62D5-23CD-4A5A-A476-269CE76914DC}" srcOrd="2" destOrd="0" parTransId="{C274F423-C9C0-423A-80FB-84C18F1C3BA8}" sibTransId="{6CCF063A-E379-49B3-9CC0-57BB9F2B8432}"/>
-    <dgm:cxn modelId="{B55F96D7-8D63-46D6-833C-7BB32A8BF044}" type="presOf" srcId="{F8507812-6291-4C9B-AA0B-B8AF3A68427D}" destId="{C05EAFFC-2644-44E2-967D-B53235C71A38}" srcOrd="1" destOrd="2" presId="urn:microsoft.com/office/officeart/2005/8/layout/cycle4"/>
-    <dgm:cxn modelId="{C1CC8C5E-8C3B-4002-B283-DDF651B9C2DF}" srcId="{2D6962E4-72B9-4B1E-B258-246893A88E0D}" destId="{7095E70B-7EFB-4733-BA44-C4BB0599979F}" srcOrd="3" destOrd="0" parTransId="{64A1E298-33AE-4CD3-B3E0-AF77857653AE}" sibTransId="{BBF2356D-3C61-41D3-A629-D15BD788173A}"/>
-    <dgm:cxn modelId="{6F2C1348-DD44-4E86-9478-89C1CF069569}" srcId="{01A583E1-6537-45F8-AE09-C85491C9FC1D}" destId="{2BBE2155-4658-4D02-8319-6DF4106EA8CC}" srcOrd="1" destOrd="0" parTransId="{3724DD7C-05CC-4DEB-8DAD-8B592C981C96}" sibTransId="{632890C8-ECA2-44D8-9A94-863A64665BBC}"/>
-    <dgm:cxn modelId="{959C0A07-B487-44FF-9CEB-B0B891D005B6}" type="presOf" srcId="{5BCD62D5-23CD-4A5A-A476-269CE76914DC}" destId="{43A2BA3D-20D2-4E5D-9CD2-B6EE3F312A3B}" srcOrd="0" destOrd="0" presId="urn:microsoft.com/office/officeart/2005/8/layout/cycle4"/>
-    <dgm:cxn modelId="{2D68FBB9-2A3F-4DFB-9547-97148AD147B2}" srcId="{2D6962E4-72B9-4B1E-B258-246893A88E0D}" destId="{2B41BF75-F5C8-4255-892F-6328E5A9E688}" srcOrd="0" destOrd="0" parTransId="{36024776-6205-43C6-9331-B14C4C951E90}" sibTransId="{30E8B699-48A6-4778-A200-BCC2B91FEAE2}"/>
+    <dgm:cxn modelId="{784002D3-341F-4DF0-9345-0B1634589798}" type="presOf" srcId="{2B41BF75-F5C8-4255-892F-6328E5A9E688}" destId="{38CD6BD6-D3E2-4B97-8665-48065905F491}" srcOrd="1" destOrd="0" presId="urn:microsoft.com/office/officeart/2005/8/layout/cycle4"/>
     <dgm:cxn modelId="{6CB06391-8FCA-448A-8A60-52478AAD6079}" type="presParOf" srcId="{9D4C7C9D-7ED1-464F-941B-21AB88CE8789}" destId="{498B1DD5-D2B2-4A70-BAF8-2672572231DA}" srcOrd="0" destOrd="0" presId="urn:microsoft.com/office/officeart/2005/8/layout/cycle4"/>
     <dgm:cxn modelId="{679C53C4-692C-4A8B-8F09-403299CC720A}" type="presParOf" srcId="{498B1DD5-D2B2-4A70-BAF8-2672572231DA}" destId="{D2CA330A-D99A-4389-8F73-7FE17A382E6E}" srcOrd="0" destOrd="0" presId="urn:microsoft.com/office/officeart/2005/8/layout/cycle4"/>
     <dgm:cxn modelId="{0B328022-04B0-4938-A986-5A44F6E51B41}" type="presParOf" srcId="{D2CA330A-D99A-4389-8F73-7FE17A382E6E}" destId="{4D58B8E3-ABF3-466F-BE72-A1334046C3F4}" srcOrd="0" destOrd="0" presId="urn:microsoft.com/office/officeart/2005/8/layout/cycle4"/>
@@ -10379,19 +10379,19 @@
     </dgm:pt>
   </dgm:ptLst>
   <dgm:cxnLst>
-    <dgm:cxn modelId="{BC2BD8CB-A755-44BF-AFE6-A243F19548B3}" type="presOf" srcId="{B7126CCD-672D-496B-96E6-A61650893364}" destId="{28FE0003-30A9-4C92-86A6-01600FDEA130}" srcOrd="1" destOrd="0" presId="urn:microsoft.com/office/officeart/2005/8/layout/chart3"/>
+    <dgm:cxn modelId="{5B505038-F876-444C-B417-04BF8FC673B3}" type="presOf" srcId="{06C41F77-D98D-4573-9980-3C219B9EA160}" destId="{C11B07DC-359F-4FEC-8A7B-C03ED7433120}" srcOrd="1" destOrd="0" presId="urn:microsoft.com/office/officeart/2005/8/layout/chart3"/>
     <dgm:cxn modelId="{2FE523BD-3C86-44C4-80AA-2F3D63023774}" type="presOf" srcId="{5E551AC3-C103-41AE-B5B0-0DAEDB33EF87}" destId="{649C6970-20BF-40D1-9E30-038AC12482BA}" srcOrd="0" destOrd="0" presId="urn:microsoft.com/office/officeart/2005/8/layout/chart3"/>
+    <dgm:cxn modelId="{BA3EBB87-5BB2-40CC-817A-F39A4CE04E76}" type="presOf" srcId="{B7126CCD-672D-496B-96E6-A61650893364}" destId="{000CC315-531C-4BFA-A8AA-0B0479AAD9FF}" srcOrd="0" destOrd="0" presId="urn:microsoft.com/office/officeart/2005/8/layout/chart3"/>
+    <dgm:cxn modelId="{3AA73603-8FE3-46FD-A872-86CB3D323F0F}" srcId="{64BBD8F8-A143-451E-B6AD-28AB732D8023}" destId="{06C41F77-D98D-4573-9980-3C219B9EA160}" srcOrd="0" destOrd="0" parTransId="{EE79C03D-4EA2-45F9-88E9-4B31C7255EB1}" sibTransId="{BBC81AA8-DAEF-42A3-A874-3F9E2CEC98CF}"/>
+    <dgm:cxn modelId="{F4B08184-630F-4B0D-9572-B81FE1B6E345}" type="presOf" srcId="{63FEABA0-206B-444A-9175-81BD75C4481E}" destId="{4ACAFB12-125B-4407-8730-03696C63C350}" srcOrd="0" destOrd="0" presId="urn:microsoft.com/office/officeart/2005/8/layout/chart3"/>
+    <dgm:cxn modelId="{1B97DAD6-F2B9-4846-B514-B3EC201E456B}" srcId="{64BBD8F8-A143-451E-B6AD-28AB732D8023}" destId="{63FEABA0-206B-444A-9175-81BD75C4481E}" srcOrd="2" destOrd="0" parTransId="{32905AC7-26AE-4236-8907-EE36CB3E964B}" sibTransId="{240536A7-B185-4CB1-9AC7-4B7EDAA7A415}"/>
+    <dgm:cxn modelId="{D3A599EF-534D-41D9-940E-310521CFE964}" type="presOf" srcId="{06C41F77-D98D-4573-9980-3C219B9EA160}" destId="{B7B124A7-A5F3-4DEF-A4C4-15F7B6F83CA4}" srcOrd="0" destOrd="0" presId="urn:microsoft.com/office/officeart/2005/8/layout/chart3"/>
     <dgm:cxn modelId="{F8873CBA-6099-406C-8654-24A126B981CB}" type="presOf" srcId="{64BBD8F8-A143-451E-B6AD-28AB732D8023}" destId="{36307608-D5FD-4F91-81A3-6B0922AB7CEC}" srcOrd="0" destOrd="0" presId="urn:microsoft.com/office/officeart/2005/8/layout/chart3"/>
     <dgm:cxn modelId="{69F2ED09-A541-4468-B8CC-A7A19E912132}" type="presOf" srcId="{5E551AC3-C103-41AE-B5B0-0DAEDB33EF87}" destId="{FA55DF2D-87C3-4046-B9AB-2E8D89E4DC91}" srcOrd="1" destOrd="0" presId="urn:microsoft.com/office/officeart/2005/8/layout/chart3"/>
+    <dgm:cxn modelId="{4872BCF2-5AC7-4936-9FD0-C94D61877CE2}" type="presOf" srcId="{63FEABA0-206B-444A-9175-81BD75C4481E}" destId="{EA313AFC-CD0A-4314-9E27-D1663E799016}" srcOrd="1" destOrd="0" presId="urn:microsoft.com/office/officeart/2005/8/layout/chart3"/>
     <dgm:cxn modelId="{BA65A7D1-7874-412E-956C-67A1DE53C140}" srcId="{64BBD8F8-A143-451E-B6AD-28AB732D8023}" destId="{B7126CCD-672D-496B-96E6-A61650893364}" srcOrd="1" destOrd="0" parTransId="{3701FBBB-7896-445C-9A5D-103ECFC7CF9B}" sibTransId="{E9A6FF77-E00C-458F-9991-C5BA13FD9172}"/>
-    <dgm:cxn modelId="{5B505038-F876-444C-B417-04BF8FC673B3}" type="presOf" srcId="{06C41F77-D98D-4573-9980-3C219B9EA160}" destId="{C11B07DC-359F-4FEC-8A7B-C03ED7433120}" srcOrd="1" destOrd="0" presId="urn:microsoft.com/office/officeart/2005/8/layout/chart3"/>
-    <dgm:cxn modelId="{BA3EBB87-5BB2-40CC-817A-F39A4CE04E76}" type="presOf" srcId="{B7126CCD-672D-496B-96E6-A61650893364}" destId="{000CC315-531C-4BFA-A8AA-0B0479AAD9FF}" srcOrd="0" destOrd="0" presId="urn:microsoft.com/office/officeart/2005/8/layout/chart3"/>
-    <dgm:cxn modelId="{3AA73603-8FE3-46FD-A872-86CB3D323F0F}" srcId="{64BBD8F8-A143-451E-B6AD-28AB732D8023}" destId="{06C41F77-D98D-4573-9980-3C219B9EA160}" srcOrd="0" destOrd="0" parTransId="{EE79C03D-4EA2-45F9-88E9-4B31C7255EB1}" sibTransId="{BBC81AA8-DAEF-42A3-A874-3F9E2CEC98CF}"/>
-    <dgm:cxn modelId="{D3A599EF-534D-41D9-940E-310521CFE964}" type="presOf" srcId="{06C41F77-D98D-4573-9980-3C219B9EA160}" destId="{B7B124A7-A5F3-4DEF-A4C4-15F7B6F83CA4}" srcOrd="0" destOrd="0" presId="urn:microsoft.com/office/officeart/2005/8/layout/chart3"/>
     <dgm:cxn modelId="{6F10E033-7011-4B35-81CA-B73273187534}" srcId="{64BBD8F8-A143-451E-B6AD-28AB732D8023}" destId="{5E551AC3-C103-41AE-B5B0-0DAEDB33EF87}" srcOrd="3" destOrd="0" parTransId="{5C55885D-7560-4363-9248-18AB307D79D0}" sibTransId="{7DDF6E7A-D061-4071-99E0-B5F1E810C24F}"/>
-    <dgm:cxn modelId="{1B97DAD6-F2B9-4846-B514-B3EC201E456B}" srcId="{64BBD8F8-A143-451E-B6AD-28AB732D8023}" destId="{63FEABA0-206B-444A-9175-81BD75C4481E}" srcOrd="2" destOrd="0" parTransId="{32905AC7-26AE-4236-8907-EE36CB3E964B}" sibTransId="{240536A7-B185-4CB1-9AC7-4B7EDAA7A415}"/>
-    <dgm:cxn modelId="{F4B08184-630F-4B0D-9572-B81FE1B6E345}" type="presOf" srcId="{63FEABA0-206B-444A-9175-81BD75C4481E}" destId="{4ACAFB12-125B-4407-8730-03696C63C350}" srcOrd="0" destOrd="0" presId="urn:microsoft.com/office/officeart/2005/8/layout/chart3"/>
-    <dgm:cxn modelId="{4872BCF2-5AC7-4936-9FD0-C94D61877CE2}" type="presOf" srcId="{63FEABA0-206B-444A-9175-81BD75C4481E}" destId="{EA313AFC-CD0A-4314-9E27-D1663E799016}" srcOrd="1" destOrd="0" presId="urn:microsoft.com/office/officeart/2005/8/layout/chart3"/>
+    <dgm:cxn modelId="{BC2BD8CB-A755-44BF-AFE6-A243F19548B3}" type="presOf" srcId="{B7126CCD-672D-496B-96E6-A61650893364}" destId="{28FE0003-30A9-4C92-86A6-01600FDEA130}" srcOrd="1" destOrd="0" presId="urn:microsoft.com/office/officeart/2005/8/layout/chart3"/>
     <dgm:cxn modelId="{B13FF072-28A9-454F-9001-6CC87D60380A}" type="presParOf" srcId="{36307608-D5FD-4F91-81A3-6B0922AB7CEC}" destId="{B7B124A7-A5F3-4DEF-A4C4-15F7B6F83CA4}" srcOrd="0" destOrd="0" presId="urn:microsoft.com/office/officeart/2005/8/layout/chart3"/>
     <dgm:cxn modelId="{BBD92204-C709-46CE-A186-3233219C4B04}" type="presParOf" srcId="{36307608-D5FD-4F91-81A3-6B0922AB7CEC}" destId="{C11B07DC-359F-4FEC-8A7B-C03ED7433120}" srcOrd="1" destOrd="0" presId="urn:microsoft.com/office/officeart/2005/8/layout/chart3"/>
     <dgm:cxn modelId="{B156DC13-0CC1-4329-980B-FFAFF549F7C2}" type="presParOf" srcId="{36307608-D5FD-4F91-81A3-6B0922AB7CEC}" destId="{000CC315-531C-4BFA-A8AA-0B0479AAD9FF}" srcOrd="2" destOrd="0" presId="urn:microsoft.com/office/officeart/2005/8/layout/chart3"/>
@@ -10630,6 +10630,13 @@
         </dgm:presLayoutVars>
       </dgm:prSet>
       <dgm:spPr/>
+      <dgm:t>
+        <a:bodyPr/>
+        <a:lstStyle/>
+        <a:p>
+          <a:endParaRPr lang="ru-RU"/>
+        </a:p>
+      </dgm:t>
     </dgm:pt>
     <dgm:pt modelId="{335182A0-E382-4E77-B206-70C6001A973F}" type="pres">
       <dgm:prSet presAssocID="{BFE3B424-16B9-4C38-840C-0847032DF1C4}" presName="node" presStyleLbl="node1" presStyleIdx="0" presStyleCnt="5">
@@ -10649,10 +10656,24 @@
     <dgm:pt modelId="{A77BF775-E608-4841-B760-C29DDEACE52D}" type="pres">
       <dgm:prSet presAssocID="{5422C932-509A-4863-91D8-D2A4430971E3}" presName="sibTrans" presStyleLbl="sibTrans1D1" presStyleIdx="0" presStyleCnt="4"/>
       <dgm:spPr/>
+      <dgm:t>
+        <a:bodyPr/>
+        <a:lstStyle/>
+        <a:p>
+          <a:endParaRPr lang="ru-RU"/>
+        </a:p>
+      </dgm:t>
     </dgm:pt>
     <dgm:pt modelId="{938C9AAF-9C22-41D0-ACE2-6AD639BBCF15}" type="pres">
       <dgm:prSet presAssocID="{5422C932-509A-4863-91D8-D2A4430971E3}" presName="connectorText" presStyleLbl="sibTrans1D1" presStyleIdx="0" presStyleCnt="4"/>
       <dgm:spPr/>
+      <dgm:t>
+        <a:bodyPr/>
+        <a:lstStyle/>
+        <a:p>
+          <a:endParaRPr lang="ru-RU"/>
+        </a:p>
+      </dgm:t>
     </dgm:pt>
     <dgm:pt modelId="{E9530CEB-3B8E-4A90-AC86-1908B31AFA3C}" type="pres">
       <dgm:prSet presAssocID="{CEAF6E7B-A235-4E97-B22E-E007038F2C06}" presName="node" presStyleLbl="node1" presStyleIdx="1" presStyleCnt="5">
@@ -10672,10 +10693,24 @@
     <dgm:pt modelId="{1942F91E-6C3F-4237-991D-8670CFE6D12C}" type="pres">
       <dgm:prSet presAssocID="{54D30124-007A-4C9A-88DB-EEF46CA56062}" presName="sibTrans" presStyleLbl="sibTrans1D1" presStyleIdx="1" presStyleCnt="4"/>
       <dgm:spPr/>
+      <dgm:t>
+        <a:bodyPr/>
+        <a:lstStyle/>
+        <a:p>
+          <a:endParaRPr lang="ru-RU"/>
+        </a:p>
+      </dgm:t>
     </dgm:pt>
     <dgm:pt modelId="{4BF84A79-F0B8-4C23-A6BE-45EDCF8E6724}" type="pres">
       <dgm:prSet presAssocID="{54D30124-007A-4C9A-88DB-EEF46CA56062}" presName="connectorText" presStyleLbl="sibTrans1D1" presStyleIdx="1" presStyleCnt="4"/>
       <dgm:spPr/>
+      <dgm:t>
+        <a:bodyPr/>
+        <a:lstStyle/>
+        <a:p>
+          <a:endParaRPr lang="ru-RU"/>
+        </a:p>
+      </dgm:t>
     </dgm:pt>
     <dgm:pt modelId="{CC7032B2-C7DD-4031-9D5A-C31C34436923}" type="pres">
       <dgm:prSet presAssocID="{25F23385-6A5D-48FC-B58D-8338175AD398}" presName="node" presStyleLbl="node1" presStyleIdx="2" presStyleCnt="5">
@@ -10684,14 +10719,35 @@
         </dgm:presLayoutVars>
       </dgm:prSet>
       <dgm:spPr/>
+      <dgm:t>
+        <a:bodyPr/>
+        <a:lstStyle/>
+        <a:p>
+          <a:endParaRPr lang="ru-RU"/>
+        </a:p>
+      </dgm:t>
     </dgm:pt>
     <dgm:pt modelId="{9EE61D95-1339-4812-8BA2-E26508DB95D7}" type="pres">
       <dgm:prSet presAssocID="{96C5E055-E7A0-4905-B19D-14DD3FBE8355}" presName="sibTrans" presStyleLbl="sibTrans1D1" presStyleIdx="2" presStyleCnt="4"/>
       <dgm:spPr/>
+      <dgm:t>
+        <a:bodyPr/>
+        <a:lstStyle/>
+        <a:p>
+          <a:endParaRPr lang="ru-RU"/>
+        </a:p>
+      </dgm:t>
     </dgm:pt>
     <dgm:pt modelId="{F9DFDEE3-5C67-4064-BD2F-0DBC5296244C}" type="pres">
       <dgm:prSet presAssocID="{96C5E055-E7A0-4905-B19D-14DD3FBE8355}" presName="connectorText" presStyleLbl="sibTrans1D1" presStyleIdx="2" presStyleCnt="4"/>
       <dgm:spPr/>
+      <dgm:t>
+        <a:bodyPr/>
+        <a:lstStyle/>
+        <a:p>
+          <a:endParaRPr lang="ru-RU"/>
+        </a:p>
+      </dgm:t>
     </dgm:pt>
     <dgm:pt modelId="{616AE4C8-5EA6-44FB-BC24-3488D6FCC56D}" type="pres">
       <dgm:prSet presAssocID="{1EE2DEE5-BF8A-4486-8E2A-F40FD5D32378}" presName="node" presStyleLbl="node1" presStyleIdx="3" presStyleCnt="5">
@@ -10700,14 +10756,35 @@
         </dgm:presLayoutVars>
       </dgm:prSet>
       <dgm:spPr/>
+      <dgm:t>
+        <a:bodyPr/>
+        <a:lstStyle/>
+        <a:p>
+          <a:endParaRPr lang="ru-RU"/>
+        </a:p>
+      </dgm:t>
     </dgm:pt>
     <dgm:pt modelId="{AA3F5F8C-F587-4C38-A5F5-94A0B0ABB808}" type="pres">
       <dgm:prSet presAssocID="{FDAFB07A-55C0-4E0A-BC99-BB53504DE334}" presName="sibTrans" presStyleLbl="sibTrans1D1" presStyleIdx="3" presStyleCnt="4"/>
       <dgm:spPr/>
+      <dgm:t>
+        <a:bodyPr/>
+        <a:lstStyle/>
+        <a:p>
+          <a:endParaRPr lang="ru-RU"/>
+        </a:p>
+      </dgm:t>
     </dgm:pt>
     <dgm:pt modelId="{26B265DE-1FAC-4D7E-A9F8-15E8D3980157}" type="pres">
       <dgm:prSet presAssocID="{FDAFB07A-55C0-4E0A-BC99-BB53504DE334}" presName="connectorText" presStyleLbl="sibTrans1D1" presStyleIdx="3" presStyleCnt="4"/>
       <dgm:spPr/>
+      <dgm:t>
+        <a:bodyPr/>
+        <a:lstStyle/>
+        <a:p>
+          <a:endParaRPr lang="ru-RU"/>
+        </a:p>
+      </dgm:t>
     </dgm:pt>
     <dgm:pt modelId="{4AFCF350-7E3E-4747-9BE0-9F5FEF433686}" type="pres">
       <dgm:prSet presAssocID="{2E0D9F87-A655-405B-AD12-6147D22F6074}" presName="node" presStyleLbl="node1" presStyleIdx="4" presStyleCnt="5">
@@ -10726,25 +10803,25 @@
     </dgm:pt>
   </dgm:ptLst>
   <dgm:cxnLst>
-    <dgm:cxn modelId="{30ACB49D-BDBB-4539-A3C8-66F3833D1B28}" type="presOf" srcId="{25F23385-6A5D-48FC-B58D-8338175AD398}" destId="{CC7032B2-C7DD-4031-9D5A-C31C34436923}" srcOrd="0" destOrd="0" presId="urn:microsoft.com/office/officeart/2005/8/layout/bProcess3"/>
-    <dgm:cxn modelId="{A3679A60-34EE-42FC-B8E7-14D79178AF25}" type="presOf" srcId="{54D30124-007A-4C9A-88DB-EEF46CA56062}" destId="{1942F91E-6C3F-4237-991D-8670CFE6D12C}" srcOrd="0" destOrd="0" presId="urn:microsoft.com/office/officeart/2005/8/layout/bProcess3"/>
+    <dgm:cxn modelId="{F7C80D55-BECC-4CA1-82C0-73D80D3F327D}" srcId="{82BF7999-DE49-4B02-B50A-4E91A516158B}" destId="{BFE3B424-16B9-4C38-840C-0847032DF1C4}" srcOrd="0" destOrd="0" parTransId="{176F5C23-1C56-4CA4-8B6A-94A900C65BA8}" sibTransId="{5422C932-509A-4863-91D8-D2A4430971E3}"/>
+    <dgm:cxn modelId="{845F9CAD-D654-465F-BAC7-A62D7C3FE09C}" type="presOf" srcId="{96C5E055-E7A0-4905-B19D-14DD3FBE8355}" destId="{F9DFDEE3-5C67-4064-BD2F-0DBC5296244C}" srcOrd="1" destOrd="0" presId="urn:microsoft.com/office/officeart/2005/8/layout/bProcess3"/>
     <dgm:cxn modelId="{D192E704-7717-42A6-A71E-90ECA00EED78}" srcId="{82BF7999-DE49-4B02-B50A-4E91A516158B}" destId="{1EE2DEE5-BF8A-4486-8E2A-F40FD5D32378}" srcOrd="3" destOrd="0" parTransId="{46D0B385-1610-4670-B3C7-7121FAE7A548}" sibTransId="{FDAFB07A-55C0-4E0A-BC99-BB53504DE334}"/>
-    <dgm:cxn modelId="{D6FF0F20-B855-442D-8B53-0708FE865463}" type="presOf" srcId="{5422C932-509A-4863-91D8-D2A4430971E3}" destId="{938C9AAF-9C22-41D0-ACE2-6AD639BBCF15}" srcOrd="1" destOrd="0" presId="urn:microsoft.com/office/officeart/2005/8/layout/bProcess3"/>
     <dgm:cxn modelId="{B0FD4E27-3CC8-44C8-B93E-BB26F6FDF470}" type="presOf" srcId="{2E0D9F87-A655-405B-AD12-6147D22F6074}" destId="{4AFCF350-7E3E-4747-9BE0-9F5FEF433686}" srcOrd="0" destOrd="0" presId="urn:microsoft.com/office/officeart/2005/8/layout/bProcess3"/>
-    <dgm:cxn modelId="{39E7F1E0-93B1-4B62-9DC6-7B911BD6BF9E}" type="presOf" srcId="{82BF7999-DE49-4B02-B50A-4E91A516158B}" destId="{E28BF6C4-4436-42B4-90A8-1AD277FE1D2A}" srcOrd="0" destOrd="0" presId="urn:microsoft.com/office/officeart/2005/8/layout/bProcess3"/>
-    <dgm:cxn modelId="{845F9CAD-D654-465F-BAC7-A62D7C3FE09C}" type="presOf" srcId="{96C5E055-E7A0-4905-B19D-14DD3FBE8355}" destId="{F9DFDEE3-5C67-4064-BD2F-0DBC5296244C}" srcOrd="1" destOrd="0" presId="urn:microsoft.com/office/officeart/2005/8/layout/bProcess3"/>
-    <dgm:cxn modelId="{0629930D-7F22-4DA1-A78E-6CEE70AE24CC}" type="presOf" srcId="{CEAF6E7B-A235-4E97-B22E-E007038F2C06}" destId="{E9530CEB-3B8E-4A90-AC86-1908B31AFA3C}" srcOrd="0" destOrd="0" presId="urn:microsoft.com/office/officeart/2005/8/layout/bProcess3"/>
-    <dgm:cxn modelId="{0892E0B3-A46A-4AE3-B38B-5B15630B7B62}" type="presOf" srcId="{BFE3B424-16B9-4C38-840C-0847032DF1C4}" destId="{335182A0-E382-4E77-B206-70C6001A973F}" srcOrd="0" destOrd="0" presId="urn:microsoft.com/office/officeart/2005/8/layout/bProcess3"/>
     <dgm:cxn modelId="{0381903A-6158-4184-B3F9-751BD6A645F9}" type="presOf" srcId="{FDAFB07A-55C0-4E0A-BC99-BB53504DE334}" destId="{26B265DE-1FAC-4D7E-A9F8-15E8D3980157}" srcOrd="1" destOrd="0" presId="urn:microsoft.com/office/officeart/2005/8/layout/bProcess3"/>
     <dgm:cxn modelId="{F98F2CB4-86E8-4636-899B-60FC01D540CF}" type="presOf" srcId="{96C5E055-E7A0-4905-B19D-14DD3FBE8355}" destId="{9EE61D95-1339-4812-8BA2-E26508DB95D7}" srcOrd="0" destOrd="0" presId="urn:microsoft.com/office/officeart/2005/8/layout/bProcess3"/>
-    <dgm:cxn modelId="{490CFFF5-7CE0-4B8D-9678-ABB9CB04620C}" type="presOf" srcId="{5422C932-509A-4863-91D8-D2A4430971E3}" destId="{A77BF775-E608-4841-B760-C29DDEACE52D}" srcOrd="0" destOrd="0" presId="urn:microsoft.com/office/officeart/2005/8/layout/bProcess3"/>
-    <dgm:cxn modelId="{93BC7CE4-1600-46FF-BB3B-DD96E5F1D191}" srcId="{82BF7999-DE49-4B02-B50A-4E91A516158B}" destId="{2E0D9F87-A655-405B-AD12-6147D22F6074}" srcOrd="4" destOrd="0" parTransId="{684E6172-DBD7-4C4F-B2E3-A62545EC7CC7}" sibTransId="{5C5C4FDB-CCC6-4CE1-B17D-DDFFB00A3374}"/>
-    <dgm:cxn modelId="{F7C80D55-BECC-4CA1-82C0-73D80D3F327D}" srcId="{82BF7999-DE49-4B02-B50A-4E91A516158B}" destId="{BFE3B424-16B9-4C38-840C-0847032DF1C4}" srcOrd="0" destOrd="0" parTransId="{176F5C23-1C56-4CA4-8B6A-94A900C65BA8}" sibTransId="{5422C932-509A-4863-91D8-D2A4430971E3}"/>
-    <dgm:cxn modelId="{DACC619E-4002-4A25-AFE3-B0F469FED219}" srcId="{82BF7999-DE49-4B02-B50A-4E91A516158B}" destId="{25F23385-6A5D-48FC-B58D-8338175AD398}" srcOrd="2" destOrd="0" parTransId="{49B95726-C30B-4F50-AD06-0232C78B8573}" sibTransId="{96C5E055-E7A0-4905-B19D-14DD3FBE8355}"/>
-    <dgm:cxn modelId="{5F58E742-1E2B-4E89-827E-5AC9F677C36F}" type="presOf" srcId="{54D30124-007A-4C9A-88DB-EEF46CA56062}" destId="{4BF84A79-F0B8-4C23-A6BE-45EDCF8E6724}" srcOrd="1" destOrd="0" presId="urn:microsoft.com/office/officeart/2005/8/layout/bProcess3"/>
     <dgm:cxn modelId="{A271CFBC-22BA-4CAC-B429-442665871869}" srcId="{82BF7999-DE49-4B02-B50A-4E91A516158B}" destId="{CEAF6E7B-A235-4E97-B22E-E007038F2C06}" srcOrd="1" destOrd="0" parTransId="{66F56F1C-737A-4009-BE31-35D53F7D1E57}" sibTransId="{54D30124-007A-4C9A-88DB-EEF46CA56062}"/>
     <dgm:cxn modelId="{06368797-46EB-4669-92E5-A78472478D15}" type="presOf" srcId="{FDAFB07A-55C0-4E0A-BC99-BB53504DE334}" destId="{AA3F5F8C-F587-4C38-A5F5-94A0B0ABB808}" srcOrd="0" destOrd="0" presId="urn:microsoft.com/office/officeart/2005/8/layout/bProcess3"/>
+    <dgm:cxn modelId="{0629930D-7F22-4DA1-A78E-6CEE70AE24CC}" type="presOf" srcId="{CEAF6E7B-A235-4E97-B22E-E007038F2C06}" destId="{E9530CEB-3B8E-4A90-AC86-1908B31AFA3C}" srcOrd="0" destOrd="0" presId="urn:microsoft.com/office/officeart/2005/8/layout/bProcess3"/>
     <dgm:cxn modelId="{B25D6A73-E275-4F1F-9FD9-44F439F23364}" type="presOf" srcId="{1EE2DEE5-BF8A-4486-8E2A-F40FD5D32378}" destId="{616AE4C8-5EA6-44FB-BC24-3488D6FCC56D}" srcOrd="0" destOrd="0" presId="urn:microsoft.com/office/officeart/2005/8/layout/bProcess3"/>
+    <dgm:cxn modelId="{5F58E742-1E2B-4E89-827E-5AC9F677C36F}" type="presOf" srcId="{54D30124-007A-4C9A-88DB-EEF46CA56062}" destId="{4BF84A79-F0B8-4C23-A6BE-45EDCF8E6724}" srcOrd="1" destOrd="0" presId="urn:microsoft.com/office/officeart/2005/8/layout/bProcess3"/>
+    <dgm:cxn modelId="{A3679A60-34EE-42FC-B8E7-14D79178AF25}" type="presOf" srcId="{54D30124-007A-4C9A-88DB-EEF46CA56062}" destId="{1942F91E-6C3F-4237-991D-8670CFE6D12C}" srcOrd="0" destOrd="0" presId="urn:microsoft.com/office/officeart/2005/8/layout/bProcess3"/>
+    <dgm:cxn modelId="{30ACB49D-BDBB-4539-A3C8-66F3833D1B28}" type="presOf" srcId="{25F23385-6A5D-48FC-B58D-8338175AD398}" destId="{CC7032B2-C7DD-4031-9D5A-C31C34436923}" srcOrd="0" destOrd="0" presId="urn:microsoft.com/office/officeart/2005/8/layout/bProcess3"/>
+    <dgm:cxn modelId="{490CFFF5-7CE0-4B8D-9678-ABB9CB04620C}" type="presOf" srcId="{5422C932-509A-4863-91D8-D2A4430971E3}" destId="{A77BF775-E608-4841-B760-C29DDEACE52D}" srcOrd="0" destOrd="0" presId="urn:microsoft.com/office/officeart/2005/8/layout/bProcess3"/>
+    <dgm:cxn modelId="{DACC619E-4002-4A25-AFE3-B0F469FED219}" srcId="{82BF7999-DE49-4B02-B50A-4E91A516158B}" destId="{25F23385-6A5D-48FC-B58D-8338175AD398}" srcOrd="2" destOrd="0" parTransId="{49B95726-C30B-4F50-AD06-0232C78B8573}" sibTransId="{96C5E055-E7A0-4905-B19D-14DD3FBE8355}"/>
+    <dgm:cxn modelId="{93BC7CE4-1600-46FF-BB3B-DD96E5F1D191}" srcId="{82BF7999-DE49-4B02-B50A-4E91A516158B}" destId="{2E0D9F87-A655-405B-AD12-6147D22F6074}" srcOrd="4" destOrd="0" parTransId="{684E6172-DBD7-4C4F-B2E3-A62545EC7CC7}" sibTransId="{5C5C4FDB-CCC6-4CE1-B17D-DDFFB00A3374}"/>
+    <dgm:cxn modelId="{0892E0B3-A46A-4AE3-B38B-5B15630B7B62}" type="presOf" srcId="{BFE3B424-16B9-4C38-840C-0847032DF1C4}" destId="{335182A0-E382-4E77-B206-70C6001A973F}" srcOrd="0" destOrd="0" presId="urn:microsoft.com/office/officeart/2005/8/layout/bProcess3"/>
+    <dgm:cxn modelId="{39E7F1E0-93B1-4B62-9DC6-7B911BD6BF9E}" type="presOf" srcId="{82BF7999-DE49-4B02-B50A-4E91A516158B}" destId="{E28BF6C4-4436-42B4-90A8-1AD277FE1D2A}" srcOrd="0" destOrd="0" presId="urn:microsoft.com/office/officeart/2005/8/layout/bProcess3"/>
+    <dgm:cxn modelId="{D6FF0F20-B855-442D-8B53-0708FE865463}" type="presOf" srcId="{5422C932-509A-4863-91D8-D2A4430971E3}" destId="{938C9AAF-9C22-41D0-ACE2-6AD639BBCF15}" srcOrd="1" destOrd="0" presId="urn:microsoft.com/office/officeart/2005/8/layout/bProcess3"/>
     <dgm:cxn modelId="{9305D869-3AEA-4218-BFB5-1AA3F588AC82}" type="presParOf" srcId="{E28BF6C4-4436-42B4-90A8-1AD277FE1D2A}" destId="{335182A0-E382-4E77-B206-70C6001A973F}" srcOrd="0" destOrd="0" presId="urn:microsoft.com/office/officeart/2005/8/layout/bProcess3"/>
     <dgm:cxn modelId="{859AB5A7-F569-45F9-860C-E0A5EC371E97}" type="presParOf" srcId="{E28BF6C4-4436-42B4-90A8-1AD277FE1D2A}" destId="{A77BF775-E608-4841-B760-C29DDEACE52D}" srcOrd="1" destOrd="0" presId="urn:microsoft.com/office/officeart/2005/8/layout/bProcess3"/>
     <dgm:cxn modelId="{27F9C6D5-A18D-49A5-AA6F-3DBE9D7DF8B3}" type="presParOf" srcId="{A77BF775-E608-4841-B760-C29DDEACE52D}" destId="{938C9AAF-9C22-41D0-ACE2-6AD639BBCF15}" srcOrd="0" destOrd="0" presId="urn:microsoft.com/office/officeart/2005/8/layout/bProcess3"/>
@@ -19848,7 +19925,7 @@
           <a:p>
             <a:fld id="{D63D5444-F62C-42C3-A75A-D9DBA807730F}" type="datetimeFigureOut">
               <a:rPr lang="ru-RU" smtClean="0"/>
-              <a:t>13.04.2015</a:t>
+              <a:t>14.04.2015</a:t>
             </a:fld>
             <a:endParaRPr lang="ru-RU" dirty="0"/>
           </a:p>
@@ -20013,7 +20090,7 @@
           <a:p>
             <a:fld id="{12CAA1FA-7B6A-47D2-8D61-F225D71B51FF}" type="datetimeFigureOut">
               <a:rPr lang="ru-RU" smtClean="0"/>
-              <a:t>13.04.2015</a:t>
+              <a:t>14.04.2015</a:t>
             </a:fld>
             <a:endParaRPr lang="ru-RU" dirty="0"/>
           </a:p>
@@ -20412,7 +20489,7 @@
           <a:p>
             <a:fld id="{1C04B98F-D1AE-4F73-AF04-F31CDAC8B872}" type="datetimeFigureOut">
               <a:rPr lang="ru-RU" smtClean="0"/>
-              <a:t>13.04.2015</a:t>
+              <a:t>14.04.2015</a:t>
             </a:fld>
             <a:endParaRPr lang="ru-RU"/>
           </a:p>
@@ -20601,7 +20678,7 @@
           <a:p>
             <a:fld id="{A79A3335-6331-4872-A8B7-ECD55539F4D0}" type="datetimeFigureOut">
               <a:rPr lang="ru-RU" smtClean="0"/>
-              <a:t>13.04.2015</a:t>
+              <a:t>14.04.2015</a:t>
             </a:fld>
             <a:endParaRPr lang="ru-RU" dirty="0"/>
           </a:p>
@@ -20800,7 +20877,7 @@
           <a:p>
             <a:fld id="{A79A3335-6331-4872-A8B7-ECD55539F4D0}" type="datetimeFigureOut">
               <a:rPr lang="ru-RU" smtClean="0"/>
-              <a:t>13.04.2015</a:t>
+              <a:t>14.04.2015</a:t>
             </a:fld>
             <a:endParaRPr lang="ru-RU" dirty="0"/>
           </a:p>
@@ -21231,7 +21308,7 @@
           <a:p>
             <a:fld id="{A79A3335-6331-4872-A8B7-ECD55539F4D0}" type="datetimeFigureOut">
               <a:rPr lang="ru-RU" smtClean="0"/>
-              <a:t>13.04.2015</a:t>
+              <a:t>14.04.2015</a:t>
             </a:fld>
             <a:endParaRPr lang="ru-RU" dirty="0"/>
           </a:p>
@@ -21496,7 +21573,7 @@
           <a:p>
             <a:fld id="{1C04B98F-D1AE-4F73-AF04-F31CDAC8B872}" type="datetimeFigureOut">
               <a:rPr lang="ru-RU" smtClean="0"/>
-              <a:t>13.04.2015</a:t>
+              <a:t>14.04.2015</a:t>
             </a:fld>
             <a:endParaRPr lang="ru-RU"/>
           </a:p>
@@ -21747,7 +21824,7 @@
           <a:p>
             <a:fld id="{A79A3335-6331-4872-A8B7-ECD55539F4D0}" type="datetimeFigureOut">
               <a:rPr lang="ru-RU" smtClean="0"/>
-              <a:t>13.04.2015</a:t>
+              <a:t>14.04.2015</a:t>
             </a:fld>
             <a:endParaRPr lang="ru-RU" dirty="0"/>
           </a:p>
@@ -22133,7 +22210,7 @@
           <a:p>
             <a:fld id="{A79A3335-6331-4872-A8B7-ECD55539F4D0}" type="datetimeFigureOut">
               <a:rPr lang="ru-RU" smtClean="0"/>
-              <a:t>13.04.2015</a:t>
+              <a:t>14.04.2015</a:t>
             </a:fld>
             <a:endParaRPr lang="ru-RU" dirty="0"/>
           </a:p>
@@ -22270,7 +22347,7 @@
           <a:p>
             <a:fld id="{A79A3335-6331-4872-A8B7-ECD55539F4D0}" type="datetimeFigureOut">
               <a:rPr lang="ru-RU" smtClean="0"/>
-              <a:t>13.04.2015</a:t>
+              <a:t>14.04.2015</a:t>
             </a:fld>
             <a:endParaRPr lang="ru-RU" dirty="0"/>
           </a:p>
@@ -22384,7 +22461,7 @@
           <a:p>
             <a:fld id="{A79A3335-6331-4872-A8B7-ECD55539F4D0}" type="datetimeFigureOut">
               <a:rPr lang="ru-RU" smtClean="0"/>
-              <a:t>13.04.2015</a:t>
+              <a:t>14.04.2015</a:t>
             </a:fld>
             <a:endParaRPr lang="ru-RU" dirty="0"/>
           </a:p>
@@ -22680,7 +22757,7 @@
           <a:p>
             <a:fld id="{A79A3335-6331-4872-A8B7-ECD55539F4D0}" type="datetimeFigureOut">
               <a:rPr lang="ru-RU" smtClean="0"/>
-              <a:t>13.04.2015</a:t>
+              <a:t>14.04.2015</a:t>
             </a:fld>
             <a:endParaRPr lang="ru-RU" dirty="0"/>
           </a:p>
@@ -22952,7 +23029,7 @@
           <a:p>
             <a:fld id="{A79A3335-6331-4872-A8B7-ECD55539F4D0}" type="datetimeFigureOut">
               <a:rPr lang="ru-RU" smtClean="0"/>
-              <a:t>13.04.2015</a:t>
+              <a:t>14.04.2015</a:t>
             </a:fld>
             <a:endParaRPr lang="ru-RU" dirty="0"/>
           </a:p>
@@ -23185,7 +23262,7 @@
             <a:fld id="{A79A3335-6331-4872-A8B7-ECD55539F4D0}" type="datetimeFigureOut">
               <a:rPr lang="ru-RU" smtClean="0"/>
               <a:pPr/>
-              <a:t>13.04.2015</a:t>
+              <a:t>14.04.2015</a:t>
             </a:fld>
             <a:endParaRPr lang="ru-RU" dirty="0"/>
           </a:p>
@@ -24210,13 +24287,8 @@
             </a:r>
             <a:r>
               <a:rPr lang="ru-RU" dirty="0" smtClean="0"/>
-              <a:t> </a:t>
+              <a:t> Иван</a:t>
             </a:r>
-            <a:r>
-              <a:rPr lang="ru-RU" dirty="0" smtClean="0"/>
-              <a:t>Иван</a:t>
-            </a:r>
-            <a:endParaRPr lang="ru-RU" dirty="0" smtClean="0"/>
           </a:p>
         </p:txBody>
       </p:sp>
@@ -24328,7 +24400,6 @@
               <a:rPr lang="ru-RU" dirty="0"/>
               <a:t>ДОКУМЕНТАЦИЯ</a:t>
             </a:r>
-            <a:endParaRPr lang="ru-RU" dirty="0"/>
           </a:p>
         </p:txBody>
       </p:sp>
@@ -24837,15 +24908,7 @@
                   <a:srgbClr val="FFFFFF"/>
                 </a:solidFill>
               </a:rPr>
-              <a:t>Статистика </a:t>
-            </a:r>
-            <a:r>
-              <a:rPr lang="ru-RU" b="1" dirty="0" smtClean="0">
-                <a:solidFill>
-                  <a:srgbClr val="FFFFFF"/>
-                </a:solidFill>
-              </a:rPr>
-              <a:t>тестирования</a:t>
+              <a:t>Статистика тестирования</a:t>
             </a:r>
             <a:endParaRPr lang="ru-RU" b="1" dirty="0">
               <a:solidFill>
@@ -24865,13 +24928,13 @@
   <p:clrMapOvr>
     <a:masterClrMapping/>
   </p:clrMapOvr>
-  <mc:AlternateContent xmlns:mc="http://schemas.openxmlformats.org/markup-compatibility/2006">
-    <mc:Choice xmlns:p14="http://schemas.microsoft.com/office/powerpoint/2010/main" Requires="p14">
+  <mc:AlternateContent xmlns:mc="http://schemas.openxmlformats.org/markup-compatibility/2006" xmlns:p14="http://schemas.microsoft.com/office/powerpoint/2010/main">
+    <mc:Choice Requires="p14">
       <p:transition spd="med" p14:dur="700">
         <p:fade/>
       </p:transition>
     </mc:Choice>
-    <mc:Fallback>
+    <mc:Fallback xmlns="">
       <p:transition spd="med">
         <p:fade/>
       </p:transition>
@@ -24962,15 +25025,7 @@
                   <a:srgbClr val="FFFFFF"/>
                 </a:solidFill>
               </a:rPr>
-              <a:t>Нагрузочное т</a:t>
-            </a:r>
-            <a:r>
-              <a:rPr lang="ru-RU" b="1" dirty="0" smtClean="0">
-                <a:solidFill>
-                  <a:srgbClr val="FFFFFF"/>
-                </a:solidFill>
-              </a:rPr>
-              <a:t>естирование</a:t>
+              <a:t>Нагрузочное тестирование</a:t>
             </a:r>
             <a:endParaRPr lang="ru-RU" b="1" dirty="0">
               <a:solidFill>
@@ -24990,13 +25045,13 @@
   <p:clrMapOvr>
     <a:masterClrMapping/>
   </p:clrMapOvr>
-  <mc:AlternateContent xmlns:mc="http://schemas.openxmlformats.org/markup-compatibility/2006">
-    <mc:Choice xmlns:p14="http://schemas.microsoft.com/office/powerpoint/2010/main" Requires="p14">
+  <mc:AlternateContent xmlns:mc="http://schemas.openxmlformats.org/markup-compatibility/2006" xmlns:p14="http://schemas.microsoft.com/office/powerpoint/2010/main">
+    <mc:Choice Requires="p14">
       <p:transition spd="med" p14:dur="700">
         <p:fade/>
       </p:transition>
     </mc:Choice>
-    <mc:Fallback>
+    <mc:Fallback xmlns="">
       <p:transition spd="med">
         <p:fade/>
       </p:transition>
@@ -25828,13 +25883,13 @@
   <p:clrMapOvr>
     <a:masterClrMapping/>
   </p:clrMapOvr>
-  <mc:AlternateContent xmlns:mc="http://schemas.openxmlformats.org/markup-compatibility/2006">
-    <mc:Choice xmlns:p14="http://schemas.microsoft.com/office/powerpoint/2010/main" Requires="p14">
+  <mc:AlternateContent xmlns:mc="http://schemas.openxmlformats.org/markup-compatibility/2006" xmlns:p14="http://schemas.microsoft.com/office/powerpoint/2010/main">
+    <mc:Choice Requires="p14">
       <p:transition spd="med" p14:dur="700">
         <p:fade/>
       </p:transition>
     </mc:Choice>
-    <mc:Fallback>
+    <mc:Fallback xmlns="">
       <p:transition spd="med">
         <p:fade/>
       </p:transition>
@@ -26836,7 +26891,7 @@
             <p:ph idx="1"/>
             <p:extLst>
               <p:ext uri="{D42A27DB-BD31-4B8C-83A1-F6EECF244321}">
-                <p14:modId xmlns:p14="http://schemas.microsoft.com/office/powerpoint/2010/main" val="277861787"/>
+                <p14:modId xmlns:p14="http://schemas.microsoft.com/office/powerpoint/2010/main" val="206757474"/>
               </p:ext>
             </p:extLst>
           </p:nvPr>
@@ -26929,15 +26984,7 @@
                   <a:srgbClr val="FFFFFF"/>
                 </a:solidFill>
               </a:rPr>
-              <a:t>Распределение </a:t>
-            </a:r>
-            <a:r>
-              <a:rPr lang="ru-RU" b="1" dirty="0" smtClean="0">
-                <a:solidFill>
-                  <a:srgbClr val="FFFFFF"/>
-                </a:solidFill>
-              </a:rPr>
-              <a:t>ролей</a:t>
+              <a:t>Распределение ролей</a:t>
             </a:r>
             <a:endParaRPr lang="ru-RU" b="1" dirty="0">
               <a:solidFill>

--- a/k224-docs/Presentazia_21_relis.pptx
+++ b/k224-docs/Presentazia_21_relis.pptx
@@ -743,11 +743,11 @@
         </c:dLbls>
         <c:gapWidth val="219"/>
         <c:overlap val="-27"/>
-        <c:axId val="496783240"/>
-        <c:axId val="432549392"/>
+        <c:axId val="379329880"/>
+        <c:axId val="379333800"/>
       </c:barChart>
       <c:catAx>
-        <c:axId val="496783240"/>
+        <c:axId val="379329880"/>
         <c:scaling>
           <c:orientation val="minMax"/>
         </c:scaling>
@@ -790,7 +790,7 @@
             <a:endParaRPr lang="ru-RU"/>
           </a:p>
         </c:txPr>
-        <c:crossAx val="432549392"/>
+        <c:crossAx val="379333800"/>
         <c:crosses val="autoZero"/>
         <c:auto val="1"/>
         <c:lblAlgn val="ctr"/>
@@ -798,7 +798,7 @@
         <c:noMultiLvlLbl val="0"/>
       </c:catAx>
       <c:valAx>
-        <c:axId val="432549392"/>
+        <c:axId val="379333800"/>
         <c:scaling>
           <c:orientation val="minMax"/>
         </c:scaling>
@@ -849,7 +849,7 @@
             <a:endParaRPr lang="ru-RU"/>
           </a:p>
         </c:txPr>
-        <c:crossAx val="496783240"/>
+        <c:crossAx val="379329880"/>
         <c:crosses val="autoZero"/>
         <c:crossBetween val="between"/>
       </c:valAx>
@@ -1179,11 +1179,11 @@
           <c:showBubbleSize val="0"/>
         </c:dLbls>
         <c:smooth val="0"/>
-        <c:axId val="344509512"/>
-        <c:axId val="344514608"/>
+        <c:axId val="376165456"/>
+        <c:axId val="376169376"/>
       </c:lineChart>
       <c:catAx>
-        <c:axId val="344509512"/>
+        <c:axId val="376165456"/>
         <c:scaling>
           <c:orientation val="minMax"/>
         </c:scaling>
@@ -1226,7 +1226,7 @@
             <a:endParaRPr lang="ru-RU"/>
           </a:p>
         </c:txPr>
-        <c:crossAx val="344514608"/>
+        <c:crossAx val="376169376"/>
         <c:crosses val="autoZero"/>
         <c:auto val="1"/>
         <c:lblAlgn val="ctr"/>
@@ -1234,7 +1234,7 @@
         <c:noMultiLvlLbl val="1"/>
       </c:catAx>
       <c:valAx>
-        <c:axId val="344514608"/>
+        <c:axId val="376169376"/>
         <c:scaling>
           <c:orientation val="minMax"/>
         </c:scaling>
@@ -1285,7 +1285,7 @@
             <a:endParaRPr lang="ru-RU"/>
           </a:p>
         </c:txPr>
-        <c:crossAx val="344509512"/>
+        <c:crossAx val="376165456"/>
         <c:crosses val="autoZero"/>
         <c:crossBetween val="between"/>
       </c:valAx>
@@ -1867,7 +1867,6 @@
             <c:showLeaderLines val="0"/>
             <c:extLst>
               <c:ext xmlns:c15="http://schemas.microsoft.com/office/drawing/2012/chart" uri="{CE6537A1-D6FC-4f65-9D91-7224C49458BB}">
-                <c15:layout/>
                 <c15:showLeaderLines val="1"/>
                 <c15:leaderLines>
                   <c:spPr>
@@ -1972,7 +1971,6 @@
             <c:showLeaderLines val="0"/>
             <c:extLst>
               <c:ext xmlns:c15="http://schemas.microsoft.com/office/drawing/2012/chart" uri="{CE6537A1-D6FC-4f65-9D91-7224C49458BB}">
-                <c15:layout/>
                 <c15:showLeaderLines val="1"/>
                 <c15:leaderLines>
                   <c:spPr>
@@ -2077,7 +2075,6 @@
             <c:showLeaderLines val="0"/>
             <c:extLst>
               <c:ext xmlns:c15="http://schemas.microsoft.com/office/drawing/2012/chart" uri="{CE6537A1-D6FC-4f65-9D91-7224C49458BB}">
-                <c15:layout/>
                 <c15:showLeaderLines val="1"/>
                 <c15:leaderLines>
                   <c:spPr>
@@ -2184,7 +2181,6 @@
             <c:showLeaderLines val="0"/>
             <c:extLst>
               <c:ext xmlns:c15="http://schemas.microsoft.com/office/drawing/2012/chart" uri="{CE6537A1-D6FC-4f65-9D91-7224C49458BB}">
-                <c15:layout/>
                 <c15:showLeaderLines val="1"/>
                 <c15:leaderLines>
                   <c:spPr>
@@ -2291,7 +2287,6 @@
             <c:showLeaderLines val="0"/>
             <c:extLst>
               <c:ext xmlns:c15="http://schemas.microsoft.com/office/drawing/2012/chart" uri="{CE6537A1-D6FC-4f65-9D91-7224C49458BB}">
-                <c15:layout/>
                 <c15:showLeaderLines val="1"/>
                 <c15:leaderLines>
                   <c:spPr>
@@ -2398,7 +2393,6 @@
             <c:showLeaderLines val="0"/>
             <c:extLst>
               <c:ext xmlns:c15="http://schemas.microsoft.com/office/drawing/2012/chart" uri="{CE6537A1-D6FC-4f65-9D91-7224C49458BB}">
-                <c15:layout/>
                 <c15:showLeaderLines val="1"/>
                 <c15:leaderLines>
                   <c:spPr>
@@ -2506,7 +2500,6 @@
             <c:showLeaderLines val="0"/>
             <c:extLst>
               <c:ext xmlns:c15="http://schemas.microsoft.com/office/drawing/2012/chart" uri="{CE6537A1-D6FC-4f65-9D91-7224C49458BB}">
-                <c15:layout/>
                 <c15:showLeaderLines val="1"/>
                 <c15:leaderLines>
                   <c:spPr>
@@ -2614,7 +2607,6 @@
             <c:showLeaderLines val="0"/>
             <c:extLst>
               <c:ext xmlns:c15="http://schemas.microsoft.com/office/drawing/2012/chart" uri="{CE6537A1-D6FC-4f65-9D91-7224C49458BB}">
-                <c15:layout/>
                 <c15:showLeaderLines val="1"/>
                 <c15:leaderLines>
                   <c:spPr>
@@ -2722,7 +2714,6 @@
             <c:showLeaderLines val="0"/>
             <c:extLst>
               <c:ext xmlns:c15="http://schemas.microsoft.com/office/drawing/2012/chart" uri="{CE6537A1-D6FC-4f65-9D91-7224C49458BB}">
-                <c15:layout/>
                 <c15:showLeaderLines val="1"/>
                 <c15:leaderLines>
                   <c:spPr>
@@ -2829,7 +2820,6 @@
             <c:showLeaderLines val="0"/>
             <c:extLst>
               <c:ext xmlns:c15="http://schemas.microsoft.com/office/drawing/2012/chart" uri="{CE6537A1-D6FC-4f65-9D91-7224C49458BB}">
-                <c15:layout/>
                 <c15:showLeaderLines val="1"/>
                 <c15:leaderLines>
                   <c:spPr>
@@ -2936,7 +2926,6 @@
             <c:showLeaderLines val="0"/>
             <c:extLst>
               <c:ext xmlns:c15="http://schemas.microsoft.com/office/drawing/2012/chart" uri="{CE6537A1-D6FC-4f65-9D91-7224C49458BB}">
-                <c15:layout/>
                 <c15:showLeaderLines val="1"/>
                 <c15:leaderLines>
                   <c:spPr>
@@ -2988,11 +2977,11 @@
         </c:dLbls>
         <c:gapWidth val="219"/>
         <c:overlap val="-27"/>
-        <c:axId val="344510688"/>
-        <c:axId val="344512256"/>
+        <c:axId val="284723056"/>
+        <c:axId val="284722664"/>
       </c:barChart>
       <c:catAx>
-        <c:axId val="344510688"/>
+        <c:axId val="284723056"/>
         <c:scaling>
           <c:orientation val="minMax"/>
         </c:scaling>
@@ -3035,7 +3024,7 @@
             <a:endParaRPr lang="ru-RU"/>
           </a:p>
         </c:txPr>
-        <c:crossAx val="344512256"/>
+        <c:crossAx val="284722664"/>
         <c:crosses val="autoZero"/>
         <c:auto val="1"/>
         <c:lblAlgn val="ctr"/>
@@ -3043,7 +3032,7 @@
         <c:noMultiLvlLbl val="0"/>
       </c:catAx>
       <c:valAx>
-        <c:axId val="344512256"/>
+        <c:axId val="284722664"/>
         <c:scaling>
           <c:orientation val="minMax"/>
         </c:scaling>
@@ -3094,7 +3083,7 @@
             <a:endParaRPr lang="ru-RU"/>
           </a:p>
         </c:txPr>
-        <c:crossAx val="344510688"/>
+        <c:crossAx val="284723056"/>
         <c:crosses val="autoZero"/>
         <c:crossBetween val="between"/>
       </c:valAx>
@@ -3108,7 +3097,6 @@
     </c:plotArea>
     <c:legend>
       <c:legendPos val="b"/>
-      <c:layout/>
       <c:overlay val="0"/>
       <c:spPr>
         <a:noFill/>
@@ -11844,25 +11832,25 @@
     </dgm:pt>
   </dgm:ptLst>
   <dgm:cxnLst>
-    <dgm:cxn modelId="{F7C80D55-BECC-4CA1-82C0-73D80D3F327D}" srcId="{82BF7999-DE49-4B02-B50A-4E91A516158B}" destId="{BFE3B424-16B9-4C38-840C-0847032DF1C4}" srcOrd="0" destOrd="0" parTransId="{176F5C23-1C56-4CA4-8B6A-94A900C65BA8}" sibTransId="{5422C932-509A-4863-91D8-D2A4430971E3}"/>
+    <dgm:cxn modelId="{30ACB49D-BDBB-4539-A3C8-66F3833D1B28}" type="presOf" srcId="{25F23385-6A5D-48FC-B58D-8338175AD398}" destId="{CC7032B2-C7DD-4031-9D5A-C31C34436923}" srcOrd="0" destOrd="0" presId="urn:microsoft.com/office/officeart/2005/8/layout/bProcess3"/>
+    <dgm:cxn modelId="{A3679A60-34EE-42FC-B8E7-14D79178AF25}" type="presOf" srcId="{54D30124-007A-4C9A-88DB-EEF46CA56062}" destId="{1942F91E-6C3F-4237-991D-8670CFE6D12C}" srcOrd="0" destOrd="0" presId="urn:microsoft.com/office/officeart/2005/8/layout/bProcess3"/>
+    <dgm:cxn modelId="{D192E704-7717-42A6-A71E-90ECA00EED78}" srcId="{82BF7999-DE49-4B02-B50A-4E91A516158B}" destId="{1EE2DEE5-BF8A-4486-8E2A-F40FD5D32378}" srcOrd="3" destOrd="0" parTransId="{46D0B385-1610-4670-B3C7-7121FAE7A548}" sibTransId="{FDAFB07A-55C0-4E0A-BC99-BB53504DE334}"/>
+    <dgm:cxn modelId="{D6FF0F20-B855-442D-8B53-0708FE865463}" type="presOf" srcId="{5422C932-509A-4863-91D8-D2A4430971E3}" destId="{938C9AAF-9C22-41D0-ACE2-6AD639BBCF15}" srcOrd="1" destOrd="0" presId="urn:microsoft.com/office/officeart/2005/8/layout/bProcess3"/>
+    <dgm:cxn modelId="{B0FD4E27-3CC8-44C8-B93E-BB26F6FDF470}" type="presOf" srcId="{2E0D9F87-A655-405B-AD12-6147D22F6074}" destId="{4AFCF350-7E3E-4747-9BE0-9F5FEF433686}" srcOrd="0" destOrd="0" presId="urn:microsoft.com/office/officeart/2005/8/layout/bProcess3"/>
+    <dgm:cxn modelId="{39E7F1E0-93B1-4B62-9DC6-7B911BD6BF9E}" type="presOf" srcId="{82BF7999-DE49-4B02-B50A-4E91A516158B}" destId="{E28BF6C4-4436-42B4-90A8-1AD277FE1D2A}" srcOrd="0" destOrd="0" presId="urn:microsoft.com/office/officeart/2005/8/layout/bProcess3"/>
     <dgm:cxn modelId="{845F9CAD-D654-465F-BAC7-A62D7C3FE09C}" type="presOf" srcId="{96C5E055-E7A0-4905-B19D-14DD3FBE8355}" destId="{F9DFDEE3-5C67-4064-BD2F-0DBC5296244C}" srcOrd="1" destOrd="0" presId="urn:microsoft.com/office/officeart/2005/8/layout/bProcess3"/>
-    <dgm:cxn modelId="{D192E704-7717-42A6-A71E-90ECA00EED78}" srcId="{82BF7999-DE49-4B02-B50A-4E91A516158B}" destId="{1EE2DEE5-BF8A-4486-8E2A-F40FD5D32378}" srcOrd="3" destOrd="0" parTransId="{46D0B385-1610-4670-B3C7-7121FAE7A548}" sibTransId="{FDAFB07A-55C0-4E0A-BC99-BB53504DE334}"/>
-    <dgm:cxn modelId="{B0FD4E27-3CC8-44C8-B93E-BB26F6FDF470}" type="presOf" srcId="{2E0D9F87-A655-405B-AD12-6147D22F6074}" destId="{4AFCF350-7E3E-4747-9BE0-9F5FEF433686}" srcOrd="0" destOrd="0" presId="urn:microsoft.com/office/officeart/2005/8/layout/bProcess3"/>
+    <dgm:cxn modelId="{0629930D-7F22-4DA1-A78E-6CEE70AE24CC}" type="presOf" srcId="{CEAF6E7B-A235-4E97-B22E-E007038F2C06}" destId="{E9530CEB-3B8E-4A90-AC86-1908B31AFA3C}" srcOrd="0" destOrd="0" presId="urn:microsoft.com/office/officeart/2005/8/layout/bProcess3"/>
+    <dgm:cxn modelId="{0892E0B3-A46A-4AE3-B38B-5B15630B7B62}" type="presOf" srcId="{BFE3B424-16B9-4C38-840C-0847032DF1C4}" destId="{335182A0-E382-4E77-B206-70C6001A973F}" srcOrd="0" destOrd="0" presId="urn:microsoft.com/office/officeart/2005/8/layout/bProcess3"/>
     <dgm:cxn modelId="{0381903A-6158-4184-B3F9-751BD6A645F9}" type="presOf" srcId="{FDAFB07A-55C0-4E0A-BC99-BB53504DE334}" destId="{26B265DE-1FAC-4D7E-A9F8-15E8D3980157}" srcOrd="1" destOrd="0" presId="urn:microsoft.com/office/officeart/2005/8/layout/bProcess3"/>
     <dgm:cxn modelId="{F98F2CB4-86E8-4636-899B-60FC01D540CF}" type="presOf" srcId="{96C5E055-E7A0-4905-B19D-14DD3FBE8355}" destId="{9EE61D95-1339-4812-8BA2-E26508DB95D7}" srcOrd="0" destOrd="0" presId="urn:microsoft.com/office/officeart/2005/8/layout/bProcess3"/>
+    <dgm:cxn modelId="{490CFFF5-7CE0-4B8D-9678-ABB9CB04620C}" type="presOf" srcId="{5422C932-509A-4863-91D8-D2A4430971E3}" destId="{A77BF775-E608-4841-B760-C29DDEACE52D}" srcOrd="0" destOrd="0" presId="urn:microsoft.com/office/officeart/2005/8/layout/bProcess3"/>
+    <dgm:cxn modelId="{93BC7CE4-1600-46FF-BB3B-DD96E5F1D191}" srcId="{82BF7999-DE49-4B02-B50A-4E91A516158B}" destId="{2E0D9F87-A655-405B-AD12-6147D22F6074}" srcOrd="4" destOrd="0" parTransId="{684E6172-DBD7-4C4F-B2E3-A62545EC7CC7}" sibTransId="{5C5C4FDB-CCC6-4CE1-B17D-DDFFB00A3374}"/>
+    <dgm:cxn modelId="{F7C80D55-BECC-4CA1-82C0-73D80D3F327D}" srcId="{82BF7999-DE49-4B02-B50A-4E91A516158B}" destId="{BFE3B424-16B9-4C38-840C-0847032DF1C4}" srcOrd="0" destOrd="0" parTransId="{176F5C23-1C56-4CA4-8B6A-94A900C65BA8}" sibTransId="{5422C932-509A-4863-91D8-D2A4430971E3}"/>
+    <dgm:cxn modelId="{DACC619E-4002-4A25-AFE3-B0F469FED219}" srcId="{82BF7999-DE49-4B02-B50A-4E91A516158B}" destId="{25F23385-6A5D-48FC-B58D-8338175AD398}" srcOrd="2" destOrd="0" parTransId="{49B95726-C30B-4F50-AD06-0232C78B8573}" sibTransId="{96C5E055-E7A0-4905-B19D-14DD3FBE8355}"/>
+    <dgm:cxn modelId="{5F58E742-1E2B-4E89-827E-5AC9F677C36F}" type="presOf" srcId="{54D30124-007A-4C9A-88DB-EEF46CA56062}" destId="{4BF84A79-F0B8-4C23-A6BE-45EDCF8E6724}" srcOrd="1" destOrd="0" presId="urn:microsoft.com/office/officeart/2005/8/layout/bProcess3"/>
     <dgm:cxn modelId="{A271CFBC-22BA-4CAC-B429-442665871869}" srcId="{82BF7999-DE49-4B02-B50A-4E91A516158B}" destId="{CEAF6E7B-A235-4E97-B22E-E007038F2C06}" srcOrd="1" destOrd="0" parTransId="{66F56F1C-737A-4009-BE31-35D53F7D1E57}" sibTransId="{54D30124-007A-4C9A-88DB-EEF46CA56062}"/>
     <dgm:cxn modelId="{06368797-46EB-4669-92E5-A78472478D15}" type="presOf" srcId="{FDAFB07A-55C0-4E0A-BC99-BB53504DE334}" destId="{AA3F5F8C-F587-4C38-A5F5-94A0B0ABB808}" srcOrd="0" destOrd="0" presId="urn:microsoft.com/office/officeart/2005/8/layout/bProcess3"/>
-    <dgm:cxn modelId="{0629930D-7F22-4DA1-A78E-6CEE70AE24CC}" type="presOf" srcId="{CEAF6E7B-A235-4E97-B22E-E007038F2C06}" destId="{E9530CEB-3B8E-4A90-AC86-1908B31AFA3C}" srcOrd="0" destOrd="0" presId="urn:microsoft.com/office/officeart/2005/8/layout/bProcess3"/>
     <dgm:cxn modelId="{B25D6A73-E275-4F1F-9FD9-44F439F23364}" type="presOf" srcId="{1EE2DEE5-BF8A-4486-8E2A-F40FD5D32378}" destId="{616AE4C8-5EA6-44FB-BC24-3488D6FCC56D}" srcOrd="0" destOrd="0" presId="urn:microsoft.com/office/officeart/2005/8/layout/bProcess3"/>
-    <dgm:cxn modelId="{5F58E742-1E2B-4E89-827E-5AC9F677C36F}" type="presOf" srcId="{54D30124-007A-4C9A-88DB-EEF46CA56062}" destId="{4BF84A79-F0B8-4C23-A6BE-45EDCF8E6724}" srcOrd="1" destOrd="0" presId="urn:microsoft.com/office/officeart/2005/8/layout/bProcess3"/>
-    <dgm:cxn modelId="{A3679A60-34EE-42FC-B8E7-14D79178AF25}" type="presOf" srcId="{54D30124-007A-4C9A-88DB-EEF46CA56062}" destId="{1942F91E-6C3F-4237-991D-8670CFE6D12C}" srcOrd="0" destOrd="0" presId="urn:microsoft.com/office/officeart/2005/8/layout/bProcess3"/>
-    <dgm:cxn modelId="{30ACB49D-BDBB-4539-A3C8-66F3833D1B28}" type="presOf" srcId="{25F23385-6A5D-48FC-B58D-8338175AD398}" destId="{CC7032B2-C7DD-4031-9D5A-C31C34436923}" srcOrd="0" destOrd="0" presId="urn:microsoft.com/office/officeart/2005/8/layout/bProcess3"/>
-    <dgm:cxn modelId="{490CFFF5-7CE0-4B8D-9678-ABB9CB04620C}" type="presOf" srcId="{5422C932-509A-4863-91D8-D2A4430971E3}" destId="{A77BF775-E608-4841-B760-C29DDEACE52D}" srcOrd="0" destOrd="0" presId="urn:microsoft.com/office/officeart/2005/8/layout/bProcess3"/>
-    <dgm:cxn modelId="{DACC619E-4002-4A25-AFE3-B0F469FED219}" srcId="{82BF7999-DE49-4B02-B50A-4E91A516158B}" destId="{25F23385-6A5D-48FC-B58D-8338175AD398}" srcOrd="2" destOrd="0" parTransId="{49B95726-C30B-4F50-AD06-0232C78B8573}" sibTransId="{96C5E055-E7A0-4905-B19D-14DD3FBE8355}"/>
-    <dgm:cxn modelId="{93BC7CE4-1600-46FF-BB3B-DD96E5F1D191}" srcId="{82BF7999-DE49-4B02-B50A-4E91A516158B}" destId="{2E0D9F87-A655-405B-AD12-6147D22F6074}" srcOrd="4" destOrd="0" parTransId="{684E6172-DBD7-4C4F-B2E3-A62545EC7CC7}" sibTransId="{5C5C4FDB-CCC6-4CE1-B17D-DDFFB00A3374}"/>
-    <dgm:cxn modelId="{0892E0B3-A46A-4AE3-B38B-5B15630B7B62}" type="presOf" srcId="{BFE3B424-16B9-4C38-840C-0847032DF1C4}" destId="{335182A0-E382-4E77-B206-70C6001A973F}" srcOrd="0" destOrd="0" presId="urn:microsoft.com/office/officeart/2005/8/layout/bProcess3"/>
-    <dgm:cxn modelId="{39E7F1E0-93B1-4B62-9DC6-7B911BD6BF9E}" type="presOf" srcId="{82BF7999-DE49-4B02-B50A-4E91A516158B}" destId="{E28BF6C4-4436-42B4-90A8-1AD277FE1D2A}" srcOrd="0" destOrd="0" presId="urn:microsoft.com/office/officeart/2005/8/layout/bProcess3"/>
-    <dgm:cxn modelId="{D6FF0F20-B855-442D-8B53-0708FE865463}" type="presOf" srcId="{5422C932-509A-4863-91D8-D2A4430971E3}" destId="{938C9AAF-9C22-41D0-ACE2-6AD639BBCF15}" srcOrd="1" destOrd="0" presId="urn:microsoft.com/office/officeart/2005/8/layout/bProcess3"/>
     <dgm:cxn modelId="{9305D869-3AEA-4218-BFB5-1AA3F588AC82}" type="presParOf" srcId="{E28BF6C4-4436-42B4-90A8-1AD277FE1D2A}" destId="{335182A0-E382-4E77-B206-70C6001A973F}" srcOrd="0" destOrd="0" presId="urn:microsoft.com/office/officeart/2005/8/layout/bProcess3"/>
     <dgm:cxn modelId="{859AB5A7-F569-45F9-860C-E0A5EC371E97}" type="presParOf" srcId="{E28BF6C4-4436-42B4-90A8-1AD277FE1D2A}" destId="{A77BF775-E608-4841-B760-C29DDEACE52D}" srcOrd="1" destOrd="0" presId="urn:microsoft.com/office/officeart/2005/8/layout/bProcess3"/>
     <dgm:cxn modelId="{27F9C6D5-A18D-49A5-AA6F-3DBE9D7DF8B3}" type="presParOf" srcId="{A77BF775-E608-4841-B760-C29DDEACE52D}" destId="{938C9AAF-9C22-41D0-ACE2-6AD639BBCF15}" srcOrd="0" destOrd="0" presId="urn:microsoft.com/office/officeart/2005/8/layout/bProcess3"/>
@@ -12113,10 +12101,24 @@
         </dgm:presLayoutVars>
       </dgm:prSet>
       <dgm:spPr/>
+      <dgm:t>
+        <a:bodyPr/>
+        <a:lstStyle/>
+        <a:p>
+          <a:endParaRPr lang="ru-RU"/>
+        </a:p>
+      </dgm:t>
     </dgm:pt>
     <dgm:pt modelId="{FD6F0401-AF29-41F8-A535-529E291548FB}" type="pres">
       <dgm:prSet presAssocID="{9FD5FDEE-C020-46A8-A06B-DD27CC99DAE6}" presName="parentRect" presStyleLbl="alignNode1" presStyleIdx="0" presStyleCnt="5" custScaleX="132660" custLinFactNeighborX="62409" custLinFactNeighborY="12323"/>
       <dgm:spPr/>
+      <dgm:t>
+        <a:bodyPr/>
+        <a:lstStyle/>
+        <a:p>
+          <a:endParaRPr lang="ru-RU"/>
+        </a:p>
+      </dgm:t>
     </dgm:pt>
     <dgm:pt modelId="{D993C441-F6E5-4ADD-AC7F-E8E4C9EFE1E9}" type="pres">
       <dgm:prSet presAssocID="{9FD5FDEE-C020-46A8-A06B-DD27CC99DAE6}" presName="adorn" presStyleLbl="fgAccFollowNode1" presStyleIdx="0" presStyleCnt="5" custLinFactX="100000" custLinFactNeighborX="118494" custLinFactNeighborY="12139"/>
@@ -12125,6 +12127,13 @@
     <dgm:pt modelId="{BB8D26B6-6BA2-4F20-B1B5-099226EEE1D0}" type="pres">
       <dgm:prSet presAssocID="{F986B589-80A2-4F0B-9E44-FE9387FFFC5E}" presName="sibTrans" presStyleLbl="sibTrans2D1" presStyleIdx="0" presStyleCnt="0"/>
       <dgm:spPr/>
+      <dgm:t>
+        <a:bodyPr/>
+        <a:lstStyle/>
+        <a:p>
+          <a:endParaRPr lang="ru-RU"/>
+        </a:p>
+      </dgm:t>
     </dgm:pt>
     <dgm:pt modelId="{1FC9A171-CEBC-4A9D-8FA2-301171781D64}" type="pres">
       <dgm:prSet presAssocID="{2534510F-963D-4507-898C-5A0F6609E77F}" presName="compNode" presStyleCnt="0"/>
@@ -12146,10 +12155,24 @@
         </dgm:presLayoutVars>
       </dgm:prSet>
       <dgm:spPr/>
+      <dgm:t>
+        <a:bodyPr/>
+        <a:lstStyle/>
+        <a:p>
+          <a:endParaRPr lang="ru-RU"/>
+        </a:p>
+      </dgm:t>
     </dgm:pt>
     <dgm:pt modelId="{DCA139E6-E6F6-42D5-9E81-7BB03FB2B652}" type="pres">
       <dgm:prSet presAssocID="{2534510F-963D-4507-898C-5A0F6609E77F}" presName="parentRect" presStyleLbl="alignNode1" presStyleIdx="1" presStyleCnt="5" custScaleX="132660" custLinFactNeighborX="62409" custLinFactNeighborY="12323"/>
       <dgm:spPr/>
+      <dgm:t>
+        <a:bodyPr/>
+        <a:lstStyle/>
+        <a:p>
+          <a:endParaRPr lang="ru-RU"/>
+        </a:p>
+      </dgm:t>
     </dgm:pt>
     <dgm:pt modelId="{B6ED5273-311F-4361-8CF4-1FF2D6399306}" type="pres">
       <dgm:prSet presAssocID="{2534510F-963D-4507-898C-5A0F6609E77F}" presName="adorn" presStyleLbl="fgAccFollowNode1" presStyleIdx="1" presStyleCnt="5" custLinFactX="100000" custLinFactNeighborX="118494" custLinFactNeighborY="12139"/>
@@ -12158,6 +12181,13 @@
     <dgm:pt modelId="{A2F59E6E-18FC-4348-92FF-FA494AF26BF8}" type="pres">
       <dgm:prSet presAssocID="{9FDBDA42-02DA-4AEE-9DAA-D2146409C3A2}" presName="sibTrans" presStyleLbl="sibTrans2D1" presStyleIdx="0" presStyleCnt="0"/>
       <dgm:spPr/>
+      <dgm:t>
+        <a:bodyPr/>
+        <a:lstStyle/>
+        <a:p>
+          <a:endParaRPr lang="ru-RU"/>
+        </a:p>
+      </dgm:t>
     </dgm:pt>
     <dgm:pt modelId="{77EB392B-1D30-4F53-AB07-380685E2949C}" type="pres">
       <dgm:prSet presAssocID="{46715B12-CBDC-47F5-8687-92B9D5697040}" presName="compNode" presStyleCnt="0"/>
@@ -12169,7 +12199,14 @@
           <dgm:bulletEnabled val="1"/>
         </dgm:presLayoutVars>
       </dgm:prSet>
-      <dgm:spPr/>
+      <dgm:spPr>
+        <a:blipFill rotWithShape="0">
+          <a:blip xmlns:r="http://schemas.openxmlformats.org/officeDocument/2006/relationships" r:embed="rId1"/>
+          <a:stretch>
+            <a:fillRect/>
+          </a:stretch>
+        </a:blipFill>
+      </dgm:spPr>
     </dgm:pt>
     <dgm:pt modelId="{05B77F9F-8D2F-411F-89B8-B8039359345D}" type="pres">
       <dgm:prSet presAssocID="{46715B12-CBDC-47F5-8687-92B9D5697040}" presName="parentText" presStyleLbl="node1" presStyleIdx="0" presStyleCnt="0">
@@ -12205,6 +12242,13 @@
     <dgm:pt modelId="{18CEF7F3-CE9A-46D2-8A28-122C7389F5C3}" type="pres">
       <dgm:prSet presAssocID="{4BC5A430-2036-471A-A026-870941513803}" presName="sibTrans" presStyleLbl="sibTrans2D1" presStyleIdx="0" presStyleCnt="0"/>
       <dgm:spPr/>
+      <dgm:t>
+        <a:bodyPr/>
+        <a:lstStyle/>
+        <a:p>
+          <a:endParaRPr lang="ru-RU"/>
+        </a:p>
+      </dgm:t>
     </dgm:pt>
     <dgm:pt modelId="{1A38842A-34FE-472A-B520-3619208D4B2D}" type="pres">
       <dgm:prSet presAssocID="{F5DDEE45-EA86-466A-B8A2-7A37CFE27051}" presName="compNode" presStyleCnt="0"/>
@@ -12252,6 +12296,13 @@
     <dgm:pt modelId="{7235E80A-5724-45EF-84C3-E1501851546A}" type="pres">
       <dgm:prSet presAssocID="{1BCEE059-CC77-43C6-8DCC-9715578FBE33}" presName="sibTrans" presStyleLbl="sibTrans2D1" presStyleIdx="0" presStyleCnt="0"/>
       <dgm:spPr/>
+      <dgm:t>
+        <a:bodyPr/>
+        <a:lstStyle/>
+        <a:p>
+          <a:endParaRPr lang="ru-RU"/>
+        </a:p>
+      </dgm:t>
     </dgm:pt>
     <dgm:pt modelId="{865B4BF0-5A4C-4133-98CE-6222BBE6E340}" type="pres">
       <dgm:prSet presAssocID="{E27DE2CE-E3D7-46A8-A8B2-F55B85A2F774}" presName="compNode" presStyleCnt="0"/>
@@ -14990,15 +15041,12 @@
             <a:gd name="adj2" fmla="val 0"/>
           </a:avLst>
         </a:prstGeom>
-        <a:solidFill>
-          <a:schemeClr val="lt1">
-            <a:alpha val="90000"/>
-            <a:hueOff val="0"/>
-            <a:satOff val="0"/>
-            <a:lumOff val="0"/>
-            <a:alphaOff val="0"/>
-          </a:schemeClr>
-        </a:solidFill>
+        <a:blipFill rotWithShape="0">
+          <a:blip xmlns:r="http://schemas.openxmlformats.org/officeDocument/2006/relationships" r:embed="rId1"/>
+          <a:stretch>
+            <a:fillRect/>
+          </a:stretch>
+        </a:blipFill>
         <a:ln w="12700" cap="flat" cmpd="sng" algn="ctr">
           <a:solidFill>
             <a:schemeClr val="accent5">
@@ -23691,7 +23739,7 @@
           <a:p>
             <a:fld id="{D63D5444-F62C-42C3-A75A-D9DBA807730F}" type="datetimeFigureOut">
               <a:rPr lang="ru-RU" smtClean="0"/>
-              <a:t>15.04.2015</a:t>
+              <a:t>17.04.2015</a:t>
             </a:fld>
             <a:endParaRPr lang="ru-RU" dirty="0"/>
           </a:p>
@@ -23856,7 +23904,7 @@
           <a:p>
             <a:fld id="{12CAA1FA-7B6A-47D2-8D61-F225D71B51FF}" type="datetimeFigureOut">
               <a:rPr lang="ru-RU" smtClean="0"/>
-              <a:t>15.04.2015</a:t>
+              <a:t>17.04.2015</a:t>
             </a:fld>
             <a:endParaRPr lang="ru-RU" dirty="0"/>
           </a:p>
@@ -24255,7 +24303,7 @@
           <a:p>
             <a:fld id="{1C04B98F-D1AE-4F73-AF04-F31CDAC8B872}" type="datetimeFigureOut">
               <a:rPr lang="ru-RU" smtClean="0"/>
-              <a:t>15.04.2015</a:t>
+              <a:t>17.04.2015</a:t>
             </a:fld>
             <a:endParaRPr lang="ru-RU"/>
           </a:p>
@@ -24444,7 +24492,7 @@
           <a:p>
             <a:fld id="{A79A3335-6331-4872-A8B7-ECD55539F4D0}" type="datetimeFigureOut">
               <a:rPr lang="ru-RU" smtClean="0"/>
-              <a:t>15.04.2015</a:t>
+              <a:t>17.04.2015</a:t>
             </a:fld>
             <a:endParaRPr lang="ru-RU" dirty="0"/>
           </a:p>
@@ -24643,7 +24691,7 @@
           <a:p>
             <a:fld id="{A79A3335-6331-4872-A8B7-ECD55539F4D0}" type="datetimeFigureOut">
               <a:rPr lang="ru-RU" smtClean="0"/>
-              <a:t>15.04.2015</a:t>
+              <a:t>17.04.2015</a:t>
             </a:fld>
             <a:endParaRPr lang="ru-RU" dirty="0"/>
           </a:p>
@@ -25074,7 +25122,7 @@
           <a:p>
             <a:fld id="{A79A3335-6331-4872-A8B7-ECD55539F4D0}" type="datetimeFigureOut">
               <a:rPr lang="ru-RU" smtClean="0"/>
-              <a:t>15.04.2015</a:t>
+              <a:t>17.04.2015</a:t>
             </a:fld>
             <a:endParaRPr lang="ru-RU" dirty="0"/>
           </a:p>
@@ -25339,7 +25387,7 @@
           <a:p>
             <a:fld id="{1C04B98F-D1AE-4F73-AF04-F31CDAC8B872}" type="datetimeFigureOut">
               <a:rPr lang="ru-RU" smtClean="0"/>
-              <a:t>15.04.2015</a:t>
+              <a:t>17.04.2015</a:t>
             </a:fld>
             <a:endParaRPr lang="ru-RU"/>
           </a:p>
@@ -25590,7 +25638,7 @@
           <a:p>
             <a:fld id="{A79A3335-6331-4872-A8B7-ECD55539F4D0}" type="datetimeFigureOut">
               <a:rPr lang="ru-RU" smtClean="0"/>
-              <a:t>15.04.2015</a:t>
+              <a:t>17.04.2015</a:t>
             </a:fld>
             <a:endParaRPr lang="ru-RU" dirty="0"/>
           </a:p>
@@ -25976,7 +26024,7 @@
           <a:p>
             <a:fld id="{A79A3335-6331-4872-A8B7-ECD55539F4D0}" type="datetimeFigureOut">
               <a:rPr lang="ru-RU" smtClean="0"/>
-              <a:t>15.04.2015</a:t>
+              <a:t>17.04.2015</a:t>
             </a:fld>
             <a:endParaRPr lang="ru-RU" dirty="0"/>
           </a:p>
@@ -26113,7 +26161,7 @@
           <a:p>
             <a:fld id="{A79A3335-6331-4872-A8B7-ECD55539F4D0}" type="datetimeFigureOut">
               <a:rPr lang="ru-RU" smtClean="0"/>
-              <a:t>15.04.2015</a:t>
+              <a:t>17.04.2015</a:t>
             </a:fld>
             <a:endParaRPr lang="ru-RU" dirty="0"/>
           </a:p>
@@ -26227,7 +26275,7 @@
           <a:p>
             <a:fld id="{A79A3335-6331-4872-A8B7-ECD55539F4D0}" type="datetimeFigureOut">
               <a:rPr lang="ru-RU" smtClean="0"/>
-              <a:t>15.04.2015</a:t>
+              <a:t>17.04.2015</a:t>
             </a:fld>
             <a:endParaRPr lang="ru-RU" dirty="0"/>
           </a:p>
@@ -26523,7 +26571,7 @@
           <a:p>
             <a:fld id="{A79A3335-6331-4872-A8B7-ECD55539F4D0}" type="datetimeFigureOut">
               <a:rPr lang="ru-RU" smtClean="0"/>
-              <a:t>15.04.2015</a:t>
+              <a:t>17.04.2015</a:t>
             </a:fld>
             <a:endParaRPr lang="ru-RU" dirty="0"/>
           </a:p>
@@ -26795,7 +26843,7 @@
           <a:p>
             <a:fld id="{A79A3335-6331-4872-A8B7-ECD55539F4D0}" type="datetimeFigureOut">
               <a:rPr lang="ru-RU" smtClean="0"/>
-              <a:t>15.04.2015</a:t>
+              <a:t>17.04.2015</a:t>
             </a:fld>
             <a:endParaRPr lang="ru-RU" dirty="0"/>
           </a:p>
@@ -27028,7 +27076,7 @@
             <a:fld id="{A79A3335-6331-4872-A8B7-ECD55539F4D0}" type="datetimeFigureOut">
               <a:rPr lang="ru-RU" smtClean="0"/>
               <a:pPr/>
-              <a:t>15.04.2015</a:t>
+              <a:t>17.04.2015</a:t>
             </a:fld>
             <a:endParaRPr lang="ru-RU" dirty="0"/>
           </a:p>
@@ -27740,17 +27788,7 @@
                   </a:schemeClr>
                 </a:solidFill>
               </a:rPr>
-              <a:t>Разработан студентами группы </a:t>
-            </a:r>
-            <a:r>
-              <a:rPr lang="ru-RU" sz="2000" b="0" i="0" dirty="0" smtClean="0">
-                <a:solidFill>
-                  <a:schemeClr val="accent1">
-                    <a:lumMod val="50000"/>
-                  </a:schemeClr>
-                </a:solidFill>
-              </a:rPr>
-              <a:t>К8-224</a:t>
+              <a:t>Разработан студентами группы К8-224</a:t>
             </a:r>
             <a:endParaRPr lang="ru-RU" sz="2000" b="0" i="0" dirty="0">
               <a:solidFill>
@@ -28072,13 +28110,13 @@
   <p:clrMapOvr>
     <a:masterClrMapping/>
   </p:clrMapOvr>
-  <mc:AlternateContent xmlns:mc="http://schemas.openxmlformats.org/markup-compatibility/2006">
-    <mc:Choice xmlns:p14="http://schemas.microsoft.com/office/powerpoint/2010/main" Requires="p14">
+  <mc:AlternateContent xmlns:mc="http://schemas.openxmlformats.org/markup-compatibility/2006" xmlns:p14="http://schemas.microsoft.com/office/powerpoint/2010/main">
+    <mc:Choice Requires="p14">
       <p:transition spd="med" p14:dur="700">
         <p:fade/>
       </p:transition>
     </mc:Choice>
-    <mc:Fallback>
+    <mc:Fallback xmlns="">
       <p:transition spd="med">
         <p:fade/>
       </p:transition>
@@ -28536,13 +28574,13 @@
   <p:clrMapOvr>
     <a:masterClrMapping/>
   </p:clrMapOvr>
-  <mc:AlternateContent xmlns:mc="http://schemas.openxmlformats.org/markup-compatibility/2006">
-    <mc:Choice xmlns:p14="http://schemas.microsoft.com/office/powerpoint/2010/main" Requires="p14">
+  <mc:AlternateContent xmlns:mc="http://schemas.openxmlformats.org/markup-compatibility/2006" xmlns:p14="http://schemas.microsoft.com/office/powerpoint/2010/main">
+    <mc:Choice Requires="p14">
       <p:transition spd="med" p14:dur="700">
         <p:fade/>
       </p:transition>
     </mc:Choice>
-    <mc:Fallback>
+    <mc:Fallback xmlns="">
       <p:transition spd="med">
         <p:fade/>
       </p:transition>
@@ -28780,21 +28818,8 @@
                   <a:srgbClr val="FFFFFF"/>
                 </a:solidFill>
               </a:rPr>
-              <a:t>1</a:t>
+              <a:t>100</a:t>
             </a:r>
-            <a:r>
-              <a:rPr lang="ru-RU" sz="2000" b="1" dirty="0" smtClean="0">
-                <a:solidFill>
-                  <a:srgbClr val="FFFFFF"/>
-                </a:solidFill>
-              </a:rPr>
-              <a:t>00</a:t>
-            </a:r>
-            <a:endParaRPr lang="ru-RU" sz="2000" b="1" dirty="0" smtClean="0">
-              <a:solidFill>
-                <a:srgbClr val="FFFFFF"/>
-              </a:solidFill>
-            </a:endParaRPr>
           </a:p>
           <a:p>
             <a:pPr algn="ctr"/>
@@ -29265,7 +29290,7 @@
           <p:nvPr>
             <p:extLst>
               <p:ext uri="{D42A27DB-BD31-4B8C-83A1-F6EECF244321}">
-                <p14:modId xmlns:p14="http://schemas.microsoft.com/office/powerpoint/2010/main" val="343553685"/>
+                <p14:modId xmlns:p14="http://schemas.microsoft.com/office/powerpoint/2010/main" val="3884264281"/>
               </p:ext>
             </p:extLst>
           </p:nvPr>
@@ -32096,17 +32121,7 @@
                   </a:schemeClr>
                 </a:solidFill>
               </a:rPr>
-              <a:t>Настройки </a:t>
-            </a:r>
-            <a:r>
-              <a:rPr lang="ru-RU" dirty="0" smtClean="0">
-                <a:solidFill>
-                  <a:schemeClr val="bg1">
-                    <a:lumMod val="25000"/>
-                  </a:schemeClr>
-                </a:solidFill>
-              </a:rPr>
-              <a:t>приватности</a:t>
+              <a:t>Настройки приватности</a:t>
             </a:r>
           </a:p>
           <a:p>
@@ -32118,17 +32133,7 @@
                   </a:schemeClr>
                 </a:solidFill>
               </a:rPr>
-              <a:t>Дополнительные фильтры для поиска </a:t>
-            </a:r>
-            <a:r>
-              <a:rPr lang="ru-RU" dirty="0" smtClean="0">
-                <a:solidFill>
-                  <a:schemeClr val="bg1">
-                    <a:lumMod val="25000"/>
-                  </a:schemeClr>
-                </a:solidFill>
-              </a:rPr>
-              <a:t>по мероприятиям</a:t>
+              <a:t>Дополнительные фильтры для поиска по мероприятиям</a:t>
             </a:r>
           </a:p>
           <a:p>
@@ -32478,24 +32483,7 @@
                   </a:outerShdw>
                 </a:effectLst>
               </a:rPr>
-              <a:t>Итеративная </a:t>
-            </a:r>
-            <a:r>
-              <a:rPr lang="ru-RU" sz="3200" b="1" dirty="0" smtClean="0">
-                <a:solidFill>
-                  <a:schemeClr val="accent1">
-                    <a:lumMod val="50000"/>
-                  </a:schemeClr>
-                </a:solidFill>
-                <a:effectLst>
-                  <a:outerShdw blurRad="38100" dist="38100" dir="2700000" algn="tl">
-                    <a:srgbClr val="000000">
-                      <a:alpha val="43137"/>
-                    </a:srgbClr>
-                  </a:outerShdw>
-                </a:effectLst>
-              </a:rPr>
-              <a:t>разработка</a:t>
+              <a:t>Итеративная разработка</a:t>
             </a:r>
           </a:p>
           <a:p>
@@ -32739,6 +32727,36 @@
           </a:p>
         </p:txBody>
       </p:sp>
+      <p:pic>
+        <p:nvPicPr>
+          <p:cNvPr id="3" name="Рисунок 2"/>
+          <p:cNvPicPr>
+            <a:picLocks noChangeAspect="1"/>
+          </p:cNvPicPr>
+          <p:nvPr/>
+        </p:nvPicPr>
+        <p:blipFill>
+          <a:blip r:embed="rId2">
+            <a:extLst>
+              <a:ext uri="{28A0092B-C50C-407E-A947-70E740481C1C}">
+                <a14:useLocalDpi xmlns:a14="http://schemas.microsoft.com/office/drawing/2010/main" val="0"/>
+              </a:ext>
+            </a:extLst>
+          </a:blip>
+          <a:stretch>
+            <a:fillRect/>
+          </a:stretch>
+        </p:blipFill>
+        <p:spPr>
+          <a:xfrm>
+            <a:off x="100778" y="1629783"/>
+            <a:ext cx="11990443" cy="4808668"/>
+          </a:xfrm>
+          <a:prstGeom prst="rect">
+            <a:avLst/>
+          </a:prstGeom>
+        </p:spPr>
+      </p:pic>
     </p:spTree>
     <p:extLst>
       <p:ext uri="{BB962C8B-B14F-4D97-AF65-F5344CB8AC3E}">
